--- a/2015-06/Nodejs基础分享.pptx
+++ b/2015-06/Nodejs基础分享.pptx
@@ -5,7 +5,7 @@
     <p:sldMasterId id="2147483648" r:id="rId1"/>
   </p:sldMasterIdLst>
   <p:notesMasterIdLst>
-    <p:notesMasterId r:id="rId20"/>
+    <p:notesMasterId r:id="rId21"/>
   </p:notesMasterIdLst>
   <p:sldIdLst>
     <p:sldId id="271" r:id="rId2"/>
@@ -14,18 +14,19 @@
     <p:sldId id="256" r:id="rId5"/>
     <p:sldId id="257" r:id="rId6"/>
     <p:sldId id="273" r:id="rId7"/>
-    <p:sldId id="258" r:id="rId8"/>
-    <p:sldId id="259" r:id="rId9"/>
-    <p:sldId id="267" r:id="rId10"/>
-    <p:sldId id="260" r:id="rId11"/>
-    <p:sldId id="269" r:id="rId12"/>
-    <p:sldId id="261" r:id="rId13"/>
-    <p:sldId id="270" r:id="rId14"/>
-    <p:sldId id="262" r:id="rId15"/>
-    <p:sldId id="263" r:id="rId16"/>
-    <p:sldId id="264" r:id="rId17"/>
-    <p:sldId id="265" r:id="rId18"/>
-    <p:sldId id="266" r:id="rId19"/>
+    <p:sldId id="275" r:id="rId8"/>
+    <p:sldId id="258" r:id="rId9"/>
+    <p:sldId id="259" r:id="rId10"/>
+    <p:sldId id="267" r:id="rId11"/>
+    <p:sldId id="260" r:id="rId12"/>
+    <p:sldId id="269" r:id="rId13"/>
+    <p:sldId id="261" r:id="rId14"/>
+    <p:sldId id="270" r:id="rId15"/>
+    <p:sldId id="262" r:id="rId16"/>
+    <p:sldId id="263" r:id="rId17"/>
+    <p:sldId id="264" r:id="rId18"/>
+    <p:sldId id="265" r:id="rId19"/>
+    <p:sldId id="266" r:id="rId20"/>
   </p:sldIdLst>
   <p:sldSz cx="12192000" cy="6858000"/>
   <p:notesSz cx="6858000" cy="9144000"/>
@@ -214,7 +215,7 @@
           <a:p>
             <a:fld id="{90642F5A-1193-429B-B03B-F07216B8404E}" type="datetimeFigureOut">
               <a:rPr lang="zh-CN" altLang="en-US" smtClean="0"/>
-              <a:t>2015/6/16</a:t>
+              <a:t>2015/6/17</a:t>
             </a:fld>
             <a:endParaRPr lang="zh-CN" altLang="en-US"/>
           </a:p>
@@ -631,7 +632,7 @@
           <a:p>
             <a:fld id="{99EA21AC-04B3-4C51-BC61-F9EC1F3B6E67}" type="slidenum">
               <a:rPr lang="zh-CN" altLang="en-US" smtClean="0"/>
-              <a:t>14</a:t>
+              <a:t>13</a:t>
             </a:fld>
             <a:endParaRPr lang="zh-CN" altLang="en-US"/>
           </a:p>
@@ -640,7 +641,7 @@
     </p:spTree>
     <p:extLst>
       <p:ext uri="{BB962C8B-B14F-4D97-AF65-F5344CB8AC3E}">
-        <p14:creationId xmlns:p14="http://schemas.microsoft.com/office/powerpoint/2010/main" val="3699043926"/>
+        <p14:creationId xmlns:p14="http://schemas.microsoft.com/office/powerpoint/2010/main" val="893822937"/>
       </p:ext>
     </p:extLst>
   </p:cSld>
@@ -715,7 +716,7 @@
           <a:p>
             <a:fld id="{99EA21AC-04B3-4C51-BC61-F9EC1F3B6E67}" type="slidenum">
               <a:rPr lang="zh-CN" altLang="en-US" smtClean="0"/>
-              <a:t>16</a:t>
+              <a:t>15</a:t>
             </a:fld>
             <a:endParaRPr lang="zh-CN" altLang="en-US"/>
           </a:p>
@@ -724,7 +725,7 @@
     </p:spTree>
     <p:extLst>
       <p:ext uri="{BB962C8B-B14F-4D97-AF65-F5344CB8AC3E}">
-        <p14:creationId xmlns:p14="http://schemas.microsoft.com/office/powerpoint/2010/main" val="4275479370"/>
+        <p14:creationId xmlns:p14="http://schemas.microsoft.com/office/powerpoint/2010/main" val="3699043926"/>
       </p:ext>
     </p:extLst>
   </p:cSld>
@@ -808,7 +809,7 @@
     </p:spTree>
     <p:extLst>
       <p:ext uri="{BB962C8B-B14F-4D97-AF65-F5344CB8AC3E}">
-        <p14:creationId xmlns:p14="http://schemas.microsoft.com/office/powerpoint/2010/main" val="3372121377"/>
+        <p14:creationId xmlns:p14="http://schemas.microsoft.com/office/powerpoint/2010/main" val="4275479370"/>
       </p:ext>
     </p:extLst>
   </p:cSld>
@@ -884,6 +885,90 @@
             <a:fld id="{99EA21AC-04B3-4C51-BC61-F9EC1F3B6E67}" type="slidenum">
               <a:rPr lang="zh-CN" altLang="en-US" smtClean="0"/>
               <a:t>18</a:t>
+            </a:fld>
+            <a:endParaRPr lang="zh-CN" altLang="en-US"/>
+          </a:p>
+        </p:txBody>
+      </p:sp>
+    </p:spTree>
+    <p:extLst>
+      <p:ext uri="{BB962C8B-B14F-4D97-AF65-F5344CB8AC3E}">
+        <p14:creationId xmlns:p14="http://schemas.microsoft.com/office/powerpoint/2010/main" val="3372121377"/>
+      </p:ext>
+    </p:extLst>
+  </p:cSld>
+  <p:clrMapOvr>
+    <a:masterClrMapping/>
+  </p:clrMapOvr>
+</p:notes>
+</file>
+
+<file path=ppt/notesSlides/notesSlide14.xml><?xml version="1.0" encoding="utf-8"?>
+<p:notes xmlns:a="http://schemas.openxmlformats.org/drawingml/2006/main" xmlns:r="http://schemas.openxmlformats.org/officeDocument/2006/relationships" xmlns:p="http://schemas.openxmlformats.org/presentationml/2006/main">
+  <p:cSld>
+    <p:spTree>
+      <p:nvGrpSpPr>
+        <p:cNvPr id="1" name=""/>
+        <p:cNvGrpSpPr/>
+        <p:nvPr/>
+      </p:nvGrpSpPr>
+      <p:grpSpPr>
+        <a:xfrm>
+          <a:off x="0" y="0"/>
+          <a:ext cx="0" cy="0"/>
+          <a:chOff x="0" y="0"/>
+          <a:chExt cx="0" cy="0"/>
+        </a:xfrm>
+      </p:grpSpPr>
+      <p:sp>
+        <p:nvSpPr>
+          <p:cNvPr id="2" name="幻灯片图像占位符 1"/>
+          <p:cNvSpPr>
+            <a:spLocks noGrp="1" noRot="1" noChangeAspect="1"/>
+          </p:cNvSpPr>
+          <p:nvPr>
+            <p:ph type="sldImg"/>
+          </p:nvPr>
+        </p:nvSpPr>
+        <p:spPr/>
+      </p:sp>
+      <p:sp>
+        <p:nvSpPr>
+          <p:cNvPr id="3" name="备注占位符 2"/>
+          <p:cNvSpPr>
+            <a:spLocks noGrp="1"/>
+          </p:cNvSpPr>
+          <p:nvPr>
+            <p:ph type="body" idx="1"/>
+          </p:nvPr>
+        </p:nvSpPr>
+        <p:spPr/>
+        <p:txBody>
+          <a:bodyPr/>
+          <a:lstStyle/>
+          <a:p>
+            <a:endParaRPr lang="zh-CN" altLang="en-US" dirty="0"/>
+          </a:p>
+        </p:txBody>
+      </p:sp>
+      <p:sp>
+        <p:nvSpPr>
+          <p:cNvPr id="4" name="灯片编号占位符 3"/>
+          <p:cNvSpPr>
+            <a:spLocks noGrp="1"/>
+          </p:cNvSpPr>
+          <p:nvPr>
+            <p:ph type="sldNum" sz="quarter" idx="10"/>
+          </p:nvPr>
+        </p:nvSpPr>
+        <p:spPr/>
+        <p:txBody>
+          <a:bodyPr/>
+          <a:lstStyle/>
+          <a:p>
+            <a:fld id="{99EA21AC-04B3-4C51-BC61-F9EC1F3B6E67}" type="slidenum">
+              <a:rPr lang="zh-CN" altLang="en-US" smtClean="0"/>
+              <a:t>19</a:t>
             </a:fld>
             <a:endParaRPr lang="zh-CN" altLang="en-US"/>
           </a:p>
@@ -1076,6 +1161,71 @@
           <a:bodyPr/>
           <a:lstStyle/>
           <a:p>
+            <a:r>
+              <a:rPr lang="en-US" altLang="zh-CN" dirty="0" err="1" smtClean="0"/>
+              <a:t>Nodejs</a:t>
+            </a:r>
+            <a:r>
+              <a:rPr lang="zh-CN" altLang="en-US" dirty="0" smtClean="0"/>
+              <a:t>赋予了</a:t>
+            </a:r>
+            <a:r>
+              <a:rPr lang="en-US" altLang="zh-CN" dirty="0" err="1" smtClean="0"/>
+              <a:t>javascript</a:t>
+            </a:r>
+            <a:r>
+              <a:rPr lang="zh-CN" altLang="en-US" dirty="0" smtClean="0"/>
+              <a:t>运行在服务端的能力</a:t>
+            </a:r>
+            <a:endParaRPr lang="en-US" altLang="zh-CN" dirty="0" smtClean="0"/>
+          </a:p>
+          <a:p>
+            <a:r>
+              <a:rPr lang="zh-CN" altLang="en-US" dirty="0" smtClean="0"/>
+              <a:t>通过</a:t>
+            </a:r>
+            <a:r>
+              <a:rPr lang="en-US" altLang="zh-CN" dirty="0" smtClean="0"/>
+              <a:t>API</a:t>
+            </a:r>
+            <a:r>
+              <a:rPr lang="zh-CN" altLang="en-US" dirty="0" smtClean="0"/>
+              <a:t>和</a:t>
+            </a:r>
+            <a:r>
+              <a:rPr lang="en-US" altLang="zh-CN" dirty="0" smtClean="0"/>
+              <a:t>C++</a:t>
+            </a:r>
+            <a:r>
+              <a:rPr lang="zh-CN" altLang="en-US" dirty="0" smtClean="0"/>
+              <a:t>扩展可以调用操作系统更底层接口</a:t>
+            </a:r>
+            <a:endParaRPr lang="en-US" altLang="zh-CN" dirty="0" smtClean="0"/>
+          </a:p>
+          <a:p>
+            <a:r>
+              <a:rPr lang="zh-CN" altLang="en-US" dirty="0" smtClean="0"/>
+              <a:t>与</a:t>
+            </a:r>
+            <a:r>
+              <a:rPr lang="en-US" altLang="zh-CN" dirty="0" smtClean="0"/>
+              <a:t>java</a:t>
+            </a:r>
+            <a:r>
+              <a:rPr lang="zh-CN" altLang="en-US" dirty="0" smtClean="0"/>
+              <a:t>、</a:t>
+            </a:r>
+            <a:r>
+              <a:rPr lang="en-US" altLang="zh-CN" dirty="0" smtClean="0"/>
+              <a:t>python</a:t>
+            </a:r>
+            <a:r>
+              <a:rPr lang="zh-CN" altLang="en-US" dirty="0" smtClean="0"/>
+              <a:t>等具有同样的能力</a:t>
+            </a:r>
+            <a:endParaRPr lang="en-US" altLang="zh-CN" dirty="0" smtClean="0"/>
+          </a:p>
+          <a:p>
             <a:endParaRPr lang="zh-CN" altLang="en-US" dirty="0"/>
           </a:p>
         </p:txBody>
@@ -1190,7 +1340,7 @@
     </p:spTree>
     <p:extLst>
       <p:ext uri="{BB962C8B-B14F-4D97-AF65-F5344CB8AC3E}">
-        <p14:creationId xmlns:p14="http://schemas.microsoft.com/office/powerpoint/2010/main" val="959635850"/>
+        <p14:creationId xmlns:p14="http://schemas.microsoft.com/office/powerpoint/2010/main" val="66136670"/>
       </p:ext>
     </p:extLst>
   </p:cSld>
@@ -1244,18 +1394,6 @@
           <a:bodyPr/>
           <a:lstStyle/>
           <a:p>
-            <a:r>
-              <a:rPr lang="zh-CN" altLang="en-US" dirty="0" smtClean="0"/>
-              <a:t>事件驱动对前端开发人员来说肯定不陌生，</a:t>
-            </a:r>
-            <a:r>
-              <a:rPr lang="en-US" altLang="zh-CN" dirty="0" err="1" smtClean="0"/>
-              <a:t>dom</a:t>
-            </a:r>
-            <a:r>
-              <a:rPr lang="zh-CN" altLang="en-US" dirty="0" smtClean="0"/>
-              <a:t>操作基本上都是事件驱动</a:t>
-            </a:r>
             <a:endParaRPr lang="zh-CN" altLang="en-US" dirty="0"/>
           </a:p>
         </p:txBody>
@@ -1286,7 +1424,7 @@
     </p:spTree>
     <p:extLst>
       <p:ext uri="{BB962C8B-B14F-4D97-AF65-F5344CB8AC3E}">
-        <p14:creationId xmlns:p14="http://schemas.microsoft.com/office/powerpoint/2010/main" val="3870541529"/>
+        <p14:creationId xmlns:p14="http://schemas.microsoft.com/office/powerpoint/2010/main" val="959635850"/>
       </p:ext>
     </p:extLst>
   </p:cSld>
@@ -1340,6 +1478,18 @@
           <a:bodyPr/>
           <a:lstStyle/>
           <a:p>
+            <a:r>
+              <a:rPr lang="zh-CN" altLang="en-US" dirty="0" smtClean="0"/>
+              <a:t>事件驱动对前端开发人员来说肯定不陌生，</a:t>
+            </a:r>
+            <a:r>
+              <a:rPr lang="en-US" altLang="zh-CN" dirty="0" err="1" smtClean="0"/>
+              <a:t>dom</a:t>
+            </a:r>
+            <a:r>
+              <a:rPr lang="zh-CN" altLang="en-US" dirty="0" smtClean="0"/>
+              <a:t>操作基本上都是事件驱动</a:t>
+            </a:r>
             <a:endParaRPr lang="zh-CN" altLang="en-US" dirty="0"/>
           </a:p>
         </p:txBody>
@@ -1370,7 +1520,7 @@
     </p:spTree>
     <p:extLst>
       <p:ext uri="{BB962C8B-B14F-4D97-AF65-F5344CB8AC3E}">
-        <p14:creationId xmlns:p14="http://schemas.microsoft.com/office/powerpoint/2010/main" val="3343453522"/>
+        <p14:creationId xmlns:p14="http://schemas.microsoft.com/office/powerpoint/2010/main" val="3870541529"/>
       </p:ext>
     </p:extLst>
   </p:cSld>
@@ -1454,7 +1604,7 @@
     </p:spTree>
     <p:extLst>
       <p:ext uri="{BB962C8B-B14F-4D97-AF65-F5344CB8AC3E}">
-        <p14:creationId xmlns:p14="http://schemas.microsoft.com/office/powerpoint/2010/main" val="3334501234"/>
+        <p14:creationId xmlns:p14="http://schemas.microsoft.com/office/powerpoint/2010/main" val="3343453522"/>
       </p:ext>
     </p:extLst>
   </p:cSld>
@@ -1538,7 +1688,7 @@
     </p:spTree>
     <p:extLst>
       <p:ext uri="{BB962C8B-B14F-4D97-AF65-F5344CB8AC3E}">
-        <p14:creationId xmlns:p14="http://schemas.microsoft.com/office/powerpoint/2010/main" val="3710121970"/>
+        <p14:creationId xmlns:p14="http://schemas.microsoft.com/office/powerpoint/2010/main" val="3334501234"/>
       </p:ext>
     </p:extLst>
   </p:cSld>
@@ -1622,7 +1772,7 @@
     </p:spTree>
     <p:extLst>
       <p:ext uri="{BB962C8B-B14F-4D97-AF65-F5344CB8AC3E}">
-        <p14:creationId xmlns:p14="http://schemas.microsoft.com/office/powerpoint/2010/main" val="893822937"/>
+        <p14:creationId xmlns:p14="http://schemas.microsoft.com/office/powerpoint/2010/main" val="3710121970"/>
       </p:ext>
     </p:extLst>
   </p:cSld>
@@ -1763,7 +1913,7 @@
           <a:p>
             <a:fld id="{1B373F89-C89E-4F66-A4DB-C155C00E9555}" type="datetimeFigureOut">
               <a:rPr lang="zh-CN" altLang="en-US" smtClean="0"/>
-              <a:t>2015/6/16</a:t>
+              <a:t>2015/6/17</a:t>
             </a:fld>
             <a:endParaRPr lang="zh-CN" altLang="en-US"/>
           </a:p>
@@ -1940,7 +2090,7 @@
           <a:p>
             <a:fld id="{1B373F89-C89E-4F66-A4DB-C155C00E9555}" type="datetimeFigureOut">
               <a:rPr lang="zh-CN" altLang="en-US" smtClean="0"/>
-              <a:t>2015/6/16</a:t>
+              <a:t>2015/6/17</a:t>
             </a:fld>
             <a:endParaRPr lang="zh-CN" altLang="en-US"/>
           </a:p>
@@ -2120,7 +2270,7 @@
           <a:p>
             <a:fld id="{1B373F89-C89E-4F66-A4DB-C155C00E9555}" type="datetimeFigureOut">
               <a:rPr lang="zh-CN" altLang="en-US" smtClean="0"/>
-              <a:t>2015/6/16</a:t>
+              <a:t>2015/6/17</a:t>
             </a:fld>
             <a:endParaRPr lang="zh-CN" altLang="en-US"/>
           </a:p>
@@ -2275,7 +2425,7 @@
           <a:p>
             <a:fld id="{1B373F89-C89E-4F66-A4DB-C155C00E9555}" type="datetimeFigureOut">
               <a:rPr lang="zh-CN" altLang="en-US" smtClean="0"/>
-              <a:t>2015/6/16</a:t>
+              <a:t>2015/6/17</a:t>
             </a:fld>
             <a:endParaRPr lang="zh-CN" altLang="en-US"/>
           </a:p>
@@ -2621,7 +2771,7 @@
           <a:p>
             <a:fld id="{1B373F89-C89E-4F66-A4DB-C155C00E9555}" type="datetimeFigureOut">
               <a:rPr lang="zh-CN" altLang="en-US" smtClean="0"/>
-              <a:t>2015/6/16</a:t>
+              <a:t>2015/6/17</a:t>
             </a:fld>
             <a:endParaRPr lang="zh-CN" altLang="en-US"/>
           </a:p>
@@ -2860,7 +3010,7 @@
           <a:p>
             <a:fld id="{1B373F89-C89E-4F66-A4DB-C155C00E9555}" type="datetimeFigureOut">
               <a:rPr lang="zh-CN" altLang="en-US" smtClean="0"/>
-              <a:t>2015/6/16</a:t>
+              <a:t>2015/6/17</a:t>
             </a:fld>
             <a:endParaRPr lang="zh-CN" altLang="en-US"/>
           </a:p>
@@ -3234,7 +3384,7 @@
           <a:p>
             <a:fld id="{1B373F89-C89E-4F66-A4DB-C155C00E9555}" type="datetimeFigureOut">
               <a:rPr lang="zh-CN" altLang="en-US" smtClean="0"/>
-              <a:t>2015/6/16</a:t>
+              <a:t>2015/6/17</a:t>
             </a:fld>
             <a:endParaRPr lang="zh-CN" altLang="en-US"/>
           </a:p>
@@ -3359,7 +3509,7 @@
           <a:p>
             <a:fld id="{1B373F89-C89E-4F66-A4DB-C155C00E9555}" type="datetimeFigureOut">
               <a:rPr lang="zh-CN" altLang="en-US" smtClean="0"/>
-              <a:t>2015/6/16</a:t>
+              <a:t>2015/6/17</a:t>
             </a:fld>
             <a:endParaRPr lang="zh-CN" altLang="en-US"/>
           </a:p>
@@ -3454,7 +3604,7 @@
           <a:p>
             <a:fld id="{1B373F89-C89E-4F66-A4DB-C155C00E9555}" type="datetimeFigureOut">
               <a:rPr lang="zh-CN" altLang="en-US" smtClean="0"/>
-              <a:t>2015/6/16</a:t>
+              <a:t>2015/6/17</a:t>
             </a:fld>
             <a:endParaRPr lang="zh-CN" altLang="en-US"/>
           </a:p>
@@ -3731,7 +3881,7 @@
           <a:p>
             <a:fld id="{1B373F89-C89E-4F66-A4DB-C155C00E9555}" type="datetimeFigureOut">
               <a:rPr lang="zh-CN" altLang="en-US" smtClean="0"/>
-              <a:t>2015/6/16</a:t>
+              <a:t>2015/6/17</a:t>
             </a:fld>
             <a:endParaRPr lang="zh-CN" altLang="en-US"/>
           </a:p>
@@ -3984,7 +4134,7 @@
           <a:p>
             <a:fld id="{1B373F89-C89E-4F66-A4DB-C155C00E9555}" type="datetimeFigureOut">
               <a:rPr lang="zh-CN" altLang="en-US" smtClean="0"/>
-              <a:t>2015/6/16</a:t>
+              <a:t>2015/6/17</a:t>
             </a:fld>
             <a:endParaRPr lang="zh-CN" altLang="en-US"/>
           </a:p>
@@ -4220,7 +4370,7 @@
           <a:p>
             <a:fld id="{1B373F89-C89E-4F66-A4DB-C155C00E9555}" type="datetimeFigureOut">
               <a:rPr lang="zh-CN" altLang="en-US" smtClean="0"/>
-              <a:t>2015/6/16</a:t>
+              <a:t>2015/6/17</a:t>
             </a:fld>
             <a:endParaRPr lang="zh-CN" altLang="en-US"/>
           </a:p>
@@ -4794,11 +4944,7 @@
           <a:p>
             <a:r>
               <a:rPr lang="zh-CN" altLang="en-US" dirty="0" smtClean="0"/>
-              <a:t>异步</a:t>
-            </a:r>
-            <a:r>
-              <a:rPr lang="en-US" altLang="zh-CN" dirty="0" smtClean="0"/>
-              <a:t>I/O</a:t>
+              <a:t>事件驱动</a:t>
             </a:r>
             <a:endParaRPr lang="zh-CN" altLang="en-US" dirty="0"/>
           </a:p>
@@ -4814,30 +4960,130 @@
             <p:ph type="body" sz="quarter" idx="13"/>
           </p:nvPr>
         </p:nvSpPr>
-        <p:spPr/>
+        <p:spPr>
+          <a:xfrm>
+            <a:off x="1549400" y="2351594"/>
+            <a:ext cx="9550399" cy="3385177"/>
+          </a:xfrm>
+        </p:spPr>
         <p:txBody>
-          <a:bodyPr/>
+          <a:bodyPr>
+            <a:normAutofit/>
+          </a:bodyPr>
           <a:lstStyle/>
           <a:p>
             <a:r>
+              <a:rPr lang="en-US" altLang="zh-CN" dirty="0" err="1" smtClean="0"/>
+              <a:t>EventEmitter</a:t>
+            </a:r>
+            <a:endParaRPr lang="en-US" altLang="zh-CN" dirty="0" smtClean="0"/>
+          </a:p>
+          <a:p>
+            <a:pPr lvl="1"/>
+            <a:r>
               <a:rPr lang="zh-CN" altLang="en-US" dirty="0" smtClean="0"/>
-              <a:t>同步</a:t>
+              <a:t>数据库连接</a:t>
             </a:r>
             <a:endParaRPr lang="en-US" altLang="zh-CN" dirty="0" smtClean="0"/>
           </a:p>
           <a:p>
+            <a:pPr lvl="1"/>
+            <a:r>
+              <a:rPr lang="en-US" altLang="zh-CN" dirty="0" smtClean="0"/>
+              <a:t>HTTP</a:t>
+            </a:r>
+            <a:r>
+              <a:rPr lang="zh-CN" altLang="en-US" dirty="0" smtClean="0"/>
+              <a:t>请求</a:t>
+            </a:r>
+            <a:endParaRPr lang="en-US" altLang="zh-CN" dirty="0" smtClean="0"/>
+          </a:p>
+          <a:p>
+            <a:pPr lvl="1"/>
+            <a:r>
+              <a:rPr lang="zh-CN" altLang="en-US" dirty="0" smtClean="0"/>
+              <a:t>文件操作</a:t>
+            </a:r>
+            <a:endParaRPr lang="en-US" altLang="zh-CN" dirty="0" smtClean="0"/>
+          </a:p>
+          <a:p>
+            <a:pPr lvl="1"/>
+            <a:r>
+              <a:rPr lang="en-US" altLang="zh-CN" dirty="0" smtClean="0"/>
+              <a:t>Stream</a:t>
+            </a:r>
+          </a:p>
+          <a:p>
+            <a:pPr lvl="1"/>
+            <a:r>
+              <a:rPr lang="en-US" altLang="zh-CN" dirty="0" smtClean="0"/>
+              <a:t>…</a:t>
+            </a:r>
+            <a:endParaRPr lang="en-US" altLang="zh-CN" dirty="0"/>
+          </a:p>
+          <a:p>
             <a:r>
               <a:rPr lang="zh-CN" altLang="en-US" dirty="0"/>
-              <a:t>异步</a:t>
+              <a:t>事件</a:t>
+            </a:r>
+            <a:r>
+              <a:rPr lang="zh-CN" altLang="en-US" dirty="0" smtClean="0"/>
+              <a:t>循环</a:t>
             </a:r>
             <a:endParaRPr lang="en-US" altLang="zh-CN" dirty="0" smtClean="0"/>
+          </a:p>
+        </p:txBody>
+      </p:sp>
+      <p:sp>
+        <p:nvSpPr>
+          <p:cNvPr id="4" name="文本框 3"/>
+          <p:cNvSpPr txBox="1"/>
+          <p:nvPr/>
+        </p:nvSpPr>
+        <p:spPr>
+          <a:xfrm>
+            <a:off x="4288971" y="1207372"/>
+            <a:ext cx="3058886" cy="707886"/>
+          </a:xfrm>
+          <a:prstGeom prst="rect">
+            <a:avLst/>
+          </a:prstGeom>
+          <a:noFill/>
+        </p:spPr>
+        <p:txBody>
+          <a:bodyPr wrap="square" rtlCol="0">
+            <a:spAutoFit/>
+          </a:bodyPr>
+          <a:lstStyle/>
+          <a:p>
+            <a:r>
+              <a:rPr lang="en-US" altLang="zh-CN" sz="4000" dirty="0" err="1" smtClean="0">
+                <a:solidFill>
+                  <a:schemeClr val="bg1"/>
+                </a:solidFill>
+              </a:rPr>
+              <a:t>Nodejs</a:t>
+            </a:r>
+            <a:r>
+              <a:rPr lang="zh-CN" altLang="en-US" sz="4000" dirty="0" smtClean="0">
+                <a:solidFill>
+                  <a:schemeClr val="bg1"/>
+                </a:solidFill>
+              </a:rPr>
+              <a:t>事件</a:t>
+            </a:r>
+            <a:endParaRPr lang="zh-CN" altLang="en-US" sz="4000" dirty="0">
+              <a:solidFill>
+                <a:schemeClr val="bg1"/>
+              </a:solidFill>
+            </a:endParaRPr>
           </a:p>
         </p:txBody>
       </p:sp>
     </p:spTree>
     <p:extLst>
       <p:ext uri="{BB962C8B-B14F-4D97-AF65-F5344CB8AC3E}">
-        <p14:creationId xmlns:p14="http://schemas.microsoft.com/office/powerpoint/2010/main" val="904067604"/>
+        <p14:creationId xmlns:p14="http://schemas.microsoft.com/office/powerpoint/2010/main" val="3883692857"/>
       </p:ext>
     </p:extLst>
   </p:cSld>
@@ -4914,29 +5160,24 @@
           <a:lstStyle/>
           <a:p>
             <a:r>
-              <a:rPr lang="en-US" altLang="zh-CN" dirty="0" err="1" smtClean="0"/>
-              <a:t>Libuv</a:t>
+              <a:rPr lang="zh-CN" altLang="en-US" dirty="0" smtClean="0"/>
+              <a:t>同步</a:t>
             </a:r>
             <a:endParaRPr lang="en-US" altLang="zh-CN" dirty="0" smtClean="0"/>
           </a:p>
           <a:p>
             <a:r>
-              <a:rPr lang="en-US" altLang="zh-CN" dirty="0" smtClean="0"/>
-              <a:t>Callback</a:t>
-            </a:r>
-          </a:p>
-          <a:p>
-            <a:r>
               <a:rPr lang="zh-CN" altLang="en-US" dirty="0"/>
-              <a:t>事件</a:t>
-            </a:r>
+              <a:t>异步</a:t>
+            </a:r>
+            <a:endParaRPr lang="en-US" altLang="zh-CN" dirty="0" smtClean="0"/>
           </a:p>
         </p:txBody>
       </p:sp>
     </p:spTree>
     <p:extLst>
       <p:ext uri="{BB962C8B-B14F-4D97-AF65-F5344CB8AC3E}">
-        <p14:creationId xmlns:p14="http://schemas.microsoft.com/office/powerpoint/2010/main" val="3793910333"/>
+        <p14:creationId xmlns:p14="http://schemas.microsoft.com/office/powerpoint/2010/main" val="904067604"/>
       </p:ext>
     </p:extLst>
   </p:cSld>
@@ -4986,12 +5227,12 @@
           <a:lstStyle/>
           <a:p>
             <a:r>
-              <a:rPr lang="en-US" altLang="zh-CN" dirty="0" err="1" smtClean="0"/>
-              <a:t>Nodejs</a:t>
-            </a:r>
-            <a:r>
               <a:rPr lang="zh-CN" altLang="en-US" dirty="0" smtClean="0"/>
-              <a:t>能做什么</a:t>
+              <a:t>异步</a:t>
+            </a:r>
+            <a:r>
+              <a:rPr lang="en-US" altLang="zh-CN" dirty="0" smtClean="0"/>
+              <a:t>I/O</a:t>
             </a:r>
             <a:endParaRPr lang="zh-CN" altLang="en-US" dirty="0"/>
           </a:p>
@@ -5013,39 +5254,29 @@
           <a:lstStyle/>
           <a:p>
             <a:r>
-              <a:rPr lang="zh-CN" altLang="en-US" dirty="0" smtClean="0"/>
-              <a:t>脚本</a:t>
+              <a:rPr lang="en-US" altLang="zh-CN" dirty="0" err="1" smtClean="0"/>
+              <a:t>Libuv</a:t>
             </a:r>
             <a:endParaRPr lang="en-US" altLang="zh-CN" dirty="0" smtClean="0"/>
           </a:p>
           <a:p>
             <a:r>
+              <a:rPr lang="en-US" altLang="zh-CN" dirty="0" smtClean="0"/>
+              <a:t>Callback</a:t>
+            </a:r>
+          </a:p>
+          <a:p>
+            <a:r>
               <a:rPr lang="zh-CN" altLang="en-US" dirty="0"/>
-              <a:t>命令行</a:t>
-            </a:r>
-            <a:r>
-              <a:rPr lang="zh-CN" altLang="en-US" dirty="0" smtClean="0"/>
-              <a:t>工具</a:t>
-            </a:r>
-            <a:endParaRPr lang="en-US" altLang="zh-CN" dirty="0" smtClean="0"/>
-          </a:p>
-          <a:p>
-            <a:r>
-              <a:rPr lang="en-US" altLang="zh-CN" dirty="0" smtClean="0"/>
-              <a:t>http</a:t>
-            </a:r>
-            <a:r>
-              <a:rPr lang="zh-CN" altLang="en-US" dirty="0" smtClean="0"/>
-              <a:t>服务器</a:t>
-            </a:r>
-            <a:endParaRPr lang="zh-CN" altLang="en-US" dirty="0"/>
+              <a:t>事件</a:t>
+            </a:r>
           </a:p>
         </p:txBody>
       </p:sp>
     </p:spTree>
     <p:extLst>
       <p:ext uri="{BB962C8B-B14F-4D97-AF65-F5344CB8AC3E}">
-        <p14:creationId xmlns:p14="http://schemas.microsoft.com/office/powerpoint/2010/main" val="166385259"/>
+        <p14:creationId xmlns:p14="http://schemas.microsoft.com/office/powerpoint/2010/main" val="3793910333"/>
       </p:ext>
     </p:extLst>
   </p:cSld>
@@ -5100,40 +5331,61 @@
             </a:r>
             <a:r>
               <a:rPr lang="zh-CN" altLang="en-US" dirty="0" smtClean="0"/>
-              <a:t>脚本</a:t>
+              <a:t>能做什么</a:t>
             </a:r>
             <a:endParaRPr lang="zh-CN" altLang="en-US" dirty="0"/>
           </a:p>
         </p:txBody>
       </p:sp>
-      <p:pic>
-        <p:nvPicPr>
-          <p:cNvPr id="4" name="图片 3"/>
-          <p:cNvPicPr>
-            <a:picLocks noChangeAspect="1"/>
-          </p:cNvPicPr>
-          <p:nvPr/>
-        </p:nvPicPr>
-        <p:blipFill>
-          <a:blip r:embed="rId2"/>
-          <a:stretch>
-            <a:fillRect/>
-          </a:stretch>
-        </p:blipFill>
-        <p:spPr>
-          <a:xfrm>
-            <a:off x="3200401" y="771036"/>
-            <a:ext cx="5066878" cy="5812971"/>
-          </a:xfrm>
-          <a:prstGeom prst="rect">
-            <a:avLst/>
-          </a:prstGeom>
-        </p:spPr>
-      </p:pic>
+      <p:sp>
+        <p:nvSpPr>
+          <p:cNvPr id="3" name="文本占位符 2"/>
+          <p:cNvSpPr>
+            <a:spLocks noGrp="1"/>
+          </p:cNvSpPr>
+          <p:nvPr>
+            <p:ph type="body" sz="quarter" idx="13"/>
+          </p:nvPr>
+        </p:nvSpPr>
+        <p:spPr/>
+        <p:txBody>
+          <a:bodyPr/>
+          <a:lstStyle/>
+          <a:p>
+            <a:r>
+              <a:rPr lang="zh-CN" altLang="en-US" dirty="0" smtClean="0"/>
+              <a:t>脚本</a:t>
+            </a:r>
+            <a:endParaRPr lang="en-US" altLang="zh-CN" dirty="0" smtClean="0"/>
+          </a:p>
+          <a:p>
+            <a:r>
+              <a:rPr lang="zh-CN" altLang="en-US" dirty="0"/>
+              <a:t>命令行</a:t>
+            </a:r>
+            <a:r>
+              <a:rPr lang="zh-CN" altLang="en-US" dirty="0" smtClean="0"/>
+              <a:t>工具</a:t>
+            </a:r>
+            <a:endParaRPr lang="en-US" altLang="zh-CN" dirty="0" smtClean="0"/>
+          </a:p>
+          <a:p>
+            <a:r>
+              <a:rPr lang="en-US" altLang="zh-CN" dirty="0" smtClean="0"/>
+              <a:t>http</a:t>
+            </a:r>
+            <a:r>
+              <a:rPr lang="zh-CN" altLang="en-US" dirty="0" smtClean="0"/>
+              <a:t>服务器</a:t>
+            </a:r>
+            <a:endParaRPr lang="zh-CN" altLang="en-US" dirty="0"/>
+          </a:p>
+        </p:txBody>
+      </p:sp>
     </p:spTree>
     <p:extLst>
       <p:ext uri="{BB962C8B-B14F-4D97-AF65-F5344CB8AC3E}">
-        <p14:creationId xmlns:p14="http://schemas.microsoft.com/office/powerpoint/2010/main" val="4011000441"/>
+        <p14:creationId xmlns:p14="http://schemas.microsoft.com/office/powerpoint/2010/main" val="166385259"/>
       </p:ext>
     </p:extLst>
   </p:cSld>
@@ -5188,57 +5440,40 @@
             </a:r>
             <a:r>
               <a:rPr lang="zh-CN" altLang="en-US" dirty="0" smtClean="0"/>
-              <a:t>命令行工具</a:t>
+              <a:t>脚本</a:t>
             </a:r>
             <a:endParaRPr lang="zh-CN" altLang="en-US" dirty="0"/>
           </a:p>
         </p:txBody>
       </p:sp>
-      <p:sp>
-        <p:nvSpPr>
-          <p:cNvPr id="3" name="文本占位符 2"/>
-          <p:cNvSpPr>
-            <a:spLocks noGrp="1"/>
-          </p:cNvSpPr>
-          <p:nvPr>
-            <p:ph type="body" sz="quarter" idx="13"/>
-          </p:nvPr>
-        </p:nvSpPr>
-        <p:spPr/>
-        <p:txBody>
-          <a:bodyPr/>
-          <a:lstStyle/>
-          <a:p>
-            <a:r>
-              <a:rPr lang="en-US" altLang="zh-CN" dirty="0" err="1" smtClean="0"/>
-              <a:t>npm</a:t>
-            </a:r>
-            <a:endParaRPr lang="en-US" altLang="zh-CN" dirty="0" smtClean="0"/>
-          </a:p>
-          <a:p>
-            <a:r>
-              <a:rPr lang="en-US" altLang="zh-CN" dirty="0" smtClean="0"/>
-              <a:t>Grunt</a:t>
-            </a:r>
-          </a:p>
-          <a:p>
-            <a:r>
-              <a:rPr lang="en-US" altLang="zh-CN" dirty="0" smtClean="0"/>
-              <a:t>Gulp</a:t>
-            </a:r>
-          </a:p>
-          <a:p>
-            <a:endParaRPr lang="en-US" altLang="zh-CN" dirty="0" smtClean="0"/>
-          </a:p>
-          <a:p>
-            <a:endParaRPr lang="zh-CN" altLang="en-US" dirty="0"/>
-          </a:p>
-        </p:txBody>
-      </p:sp>
+      <p:pic>
+        <p:nvPicPr>
+          <p:cNvPr id="4" name="图片 3"/>
+          <p:cNvPicPr>
+            <a:picLocks noChangeAspect="1"/>
+          </p:cNvPicPr>
+          <p:nvPr/>
+        </p:nvPicPr>
+        <p:blipFill>
+          <a:blip r:embed="rId2"/>
+          <a:stretch>
+            <a:fillRect/>
+          </a:stretch>
+        </p:blipFill>
+        <p:spPr>
+          <a:xfrm>
+            <a:off x="3200401" y="771036"/>
+            <a:ext cx="5066878" cy="5812971"/>
+          </a:xfrm>
+          <a:prstGeom prst="rect">
+            <a:avLst/>
+          </a:prstGeom>
+        </p:spPr>
+      </p:pic>
     </p:spTree>
     <p:extLst>
       <p:ext uri="{BB962C8B-B14F-4D97-AF65-F5344CB8AC3E}">
-        <p14:creationId xmlns:p14="http://schemas.microsoft.com/office/powerpoint/2010/main" val="2568246216"/>
+        <p14:creationId xmlns:p14="http://schemas.microsoft.com/office/powerpoint/2010/main" val="4011000441"/>
       </p:ext>
     </p:extLst>
   </p:cSld>
@@ -5288,12 +5523,12 @@
           <a:lstStyle/>
           <a:p>
             <a:r>
-              <a:rPr lang="en-US" altLang="zh-CN" dirty="0" smtClean="0"/>
-              <a:t>HTTP</a:t>
+              <a:rPr lang="en-US" altLang="zh-CN" dirty="0" err="1" smtClean="0"/>
+              <a:t>Nodejs</a:t>
             </a:r>
             <a:r>
               <a:rPr lang="zh-CN" altLang="en-US" dirty="0" smtClean="0"/>
-              <a:t>服务器</a:t>
+              <a:t>命令行工具</a:t>
             </a:r>
             <a:endParaRPr lang="zh-CN" altLang="en-US" dirty="0"/>
           </a:p>
@@ -5315,32 +5550,35 @@
           <a:lstStyle/>
           <a:p>
             <a:r>
-              <a:rPr lang="en-US" altLang="zh-CN" dirty="0"/>
-              <a:t>C</a:t>
-            </a:r>
+              <a:rPr lang="en-US" altLang="zh-CN" dirty="0" err="1" smtClean="0"/>
+              <a:t>npm</a:t>
+            </a:r>
+            <a:endParaRPr lang="en-US" altLang="zh-CN" dirty="0" smtClean="0"/>
+          </a:p>
+          <a:p>
             <a:r>
               <a:rPr lang="en-US" altLang="zh-CN" dirty="0" smtClean="0"/>
-              <a:t>onnect</a:t>
+              <a:t>Grunt</a:t>
             </a:r>
           </a:p>
           <a:p>
             <a:r>
               <a:rPr lang="en-US" altLang="zh-CN" dirty="0" smtClean="0"/>
-              <a:t>Express</a:t>
-            </a:r>
-          </a:p>
-          <a:p>
-            <a:r>
-              <a:rPr lang="en-US" altLang="zh-CN" dirty="0" smtClean="0"/>
-              <a:t>Koa</a:t>
-            </a:r>
+              <a:t>Gulp</a:t>
+            </a:r>
+          </a:p>
+          <a:p>
+            <a:endParaRPr lang="en-US" altLang="zh-CN" dirty="0" smtClean="0"/>
+          </a:p>
+          <a:p>
+            <a:endParaRPr lang="zh-CN" altLang="en-US" dirty="0"/>
           </a:p>
         </p:txBody>
       </p:sp>
     </p:spTree>
     <p:extLst>
       <p:ext uri="{BB962C8B-B14F-4D97-AF65-F5344CB8AC3E}">
-        <p14:creationId xmlns:p14="http://schemas.microsoft.com/office/powerpoint/2010/main" val="2843456829"/>
+        <p14:creationId xmlns:p14="http://schemas.microsoft.com/office/powerpoint/2010/main" val="2568246216"/>
       </p:ext>
     </p:extLst>
   </p:cSld>
@@ -5390,12 +5628,12 @@
           <a:lstStyle/>
           <a:p>
             <a:r>
-              <a:rPr lang="en-US" altLang="zh-CN" dirty="0" err="1" smtClean="0"/>
-              <a:t>Nodejs</a:t>
+              <a:rPr lang="en-US" altLang="zh-CN" dirty="0" smtClean="0"/>
+              <a:t>HTTP</a:t>
             </a:r>
             <a:r>
               <a:rPr lang="zh-CN" altLang="en-US" dirty="0" smtClean="0"/>
-              <a:t>的优势</a:t>
+              <a:t>服务器</a:t>
             </a:r>
             <a:endParaRPr lang="zh-CN" altLang="en-US" dirty="0"/>
           </a:p>
@@ -5417,50 +5655,32 @@
           <a:lstStyle/>
           <a:p>
             <a:r>
-              <a:rPr lang="zh-CN" altLang="en-US" dirty="0" smtClean="0"/>
-              <a:t>单进程</a:t>
-            </a:r>
-            <a:endParaRPr lang="en-US" altLang="zh-CN" dirty="0" smtClean="0"/>
-          </a:p>
-          <a:p>
-            <a:r>
-              <a:rPr lang="zh-CN" altLang="en-US" dirty="0" smtClean="0"/>
-              <a:t>异步</a:t>
-            </a:r>
-            <a:endParaRPr lang="en-US" altLang="zh-CN" dirty="0" smtClean="0"/>
-          </a:p>
-          <a:p>
-            <a:r>
-              <a:rPr lang="zh-CN" altLang="en-US" dirty="0"/>
-              <a:t>高</a:t>
-            </a:r>
-            <a:r>
-              <a:rPr lang="zh-CN" altLang="en-US" dirty="0" smtClean="0"/>
-              <a:t>并发</a:t>
-            </a:r>
-            <a:endParaRPr lang="en-US" altLang="zh-CN" dirty="0" smtClean="0"/>
-          </a:p>
-          <a:p>
-            <a:r>
-              <a:rPr lang="zh-CN" altLang="en-US" dirty="0" smtClean="0">
-                <a:solidFill>
-                  <a:srgbClr val="FFC000"/>
-                </a:solidFill>
-              </a:rPr>
-              <a:t>前端友好</a:t>
-            </a:r>
-            <a:endParaRPr lang="zh-CN" altLang="en-US" dirty="0">
-              <a:solidFill>
-                <a:srgbClr val="FFC000"/>
-              </a:solidFill>
-            </a:endParaRPr>
+              <a:rPr lang="en-US" altLang="zh-CN" dirty="0"/>
+              <a:t>C</a:t>
+            </a:r>
+            <a:r>
+              <a:rPr lang="en-US" altLang="zh-CN" dirty="0" smtClean="0"/>
+              <a:t>onnect</a:t>
+            </a:r>
+          </a:p>
+          <a:p>
+            <a:r>
+              <a:rPr lang="en-US" altLang="zh-CN" dirty="0" smtClean="0"/>
+              <a:t>Express</a:t>
+            </a:r>
+          </a:p>
+          <a:p>
+            <a:r>
+              <a:rPr lang="en-US" altLang="zh-CN" dirty="0" smtClean="0"/>
+              <a:t>Koa</a:t>
+            </a:r>
           </a:p>
         </p:txBody>
       </p:sp>
     </p:spTree>
     <p:extLst>
       <p:ext uri="{BB962C8B-B14F-4D97-AF65-F5344CB8AC3E}">
-        <p14:creationId xmlns:p14="http://schemas.microsoft.com/office/powerpoint/2010/main" val="3247226503"/>
+        <p14:creationId xmlns:p14="http://schemas.microsoft.com/office/powerpoint/2010/main" val="2843456829"/>
       </p:ext>
     </p:extLst>
   </p:cSld>
@@ -5510,6 +5730,126 @@
           <a:lstStyle/>
           <a:p>
             <a:r>
+              <a:rPr lang="en-US" altLang="zh-CN" dirty="0" err="1" smtClean="0"/>
+              <a:t>Nodejs</a:t>
+            </a:r>
+            <a:r>
+              <a:rPr lang="zh-CN" altLang="en-US" dirty="0" smtClean="0"/>
+              <a:t>的优势</a:t>
+            </a:r>
+            <a:endParaRPr lang="zh-CN" altLang="en-US" dirty="0"/>
+          </a:p>
+        </p:txBody>
+      </p:sp>
+      <p:sp>
+        <p:nvSpPr>
+          <p:cNvPr id="3" name="文本占位符 2"/>
+          <p:cNvSpPr>
+            <a:spLocks noGrp="1"/>
+          </p:cNvSpPr>
+          <p:nvPr>
+            <p:ph type="body" sz="quarter" idx="13"/>
+          </p:nvPr>
+        </p:nvSpPr>
+        <p:spPr/>
+        <p:txBody>
+          <a:bodyPr/>
+          <a:lstStyle/>
+          <a:p>
+            <a:r>
+              <a:rPr lang="zh-CN" altLang="en-US" dirty="0" smtClean="0"/>
+              <a:t>单进程</a:t>
+            </a:r>
+            <a:endParaRPr lang="en-US" altLang="zh-CN" dirty="0" smtClean="0"/>
+          </a:p>
+          <a:p>
+            <a:r>
+              <a:rPr lang="zh-CN" altLang="en-US" dirty="0" smtClean="0"/>
+              <a:t>异步</a:t>
+            </a:r>
+            <a:endParaRPr lang="en-US" altLang="zh-CN" dirty="0" smtClean="0"/>
+          </a:p>
+          <a:p>
+            <a:r>
+              <a:rPr lang="zh-CN" altLang="en-US" dirty="0"/>
+              <a:t>高</a:t>
+            </a:r>
+            <a:r>
+              <a:rPr lang="zh-CN" altLang="en-US" dirty="0" smtClean="0"/>
+              <a:t>并发</a:t>
+            </a:r>
+            <a:endParaRPr lang="en-US" altLang="zh-CN" dirty="0" smtClean="0"/>
+          </a:p>
+          <a:p>
+            <a:r>
+              <a:rPr lang="zh-CN" altLang="en-US" dirty="0" smtClean="0">
+                <a:solidFill>
+                  <a:srgbClr val="FFC000"/>
+                </a:solidFill>
+              </a:rPr>
+              <a:t>前端友好</a:t>
+            </a:r>
+            <a:endParaRPr lang="zh-CN" altLang="en-US" dirty="0">
+              <a:solidFill>
+                <a:srgbClr val="FFC000"/>
+              </a:solidFill>
+            </a:endParaRPr>
+          </a:p>
+        </p:txBody>
+      </p:sp>
+    </p:spTree>
+    <p:extLst>
+      <p:ext uri="{BB962C8B-B14F-4D97-AF65-F5344CB8AC3E}">
+        <p14:creationId xmlns:p14="http://schemas.microsoft.com/office/powerpoint/2010/main" val="3247226503"/>
+      </p:ext>
+    </p:extLst>
+  </p:cSld>
+  <p:clrMapOvr>
+    <a:masterClrMapping/>
+  </p:clrMapOvr>
+  <p:timing>
+    <p:tnLst>
+      <p:par>
+        <p:cTn id="1" dur="indefinite" restart="never" nodeType="tmRoot"/>
+      </p:par>
+    </p:tnLst>
+  </p:timing>
+</p:sld>
+</file>
+
+<file path=ppt/slides/slide18.xml><?xml version="1.0" encoding="utf-8"?>
+<p:sld xmlns:a="http://schemas.openxmlformats.org/drawingml/2006/main" xmlns:r="http://schemas.openxmlformats.org/officeDocument/2006/relationships" xmlns:p="http://schemas.openxmlformats.org/presentationml/2006/main">
+  <p:cSld>
+    <p:spTree>
+      <p:nvGrpSpPr>
+        <p:cNvPr id="1" name=""/>
+        <p:cNvGrpSpPr/>
+        <p:nvPr/>
+      </p:nvGrpSpPr>
+      <p:grpSpPr>
+        <a:xfrm>
+          <a:off x="0" y="0"/>
+          <a:ext cx="0" cy="0"/>
+          <a:chOff x="0" y="0"/>
+          <a:chExt cx="0" cy="0"/>
+        </a:xfrm>
+      </p:grpSpPr>
+      <p:sp>
+        <p:nvSpPr>
+          <p:cNvPr id="2" name="标题 1"/>
+          <p:cNvSpPr>
+            <a:spLocks noGrp="1"/>
+          </p:cNvSpPr>
+          <p:nvPr>
+            <p:ph type="title"/>
+          </p:nvPr>
+        </p:nvSpPr>
+        <p:spPr/>
+        <p:txBody>
+          <a:bodyPr/>
+          <a:lstStyle/>
+          <a:p>
+            <a:r>
               <a:rPr lang="en-US" altLang="zh-CN" dirty="0" smtClean="0"/>
               <a:t>Hello World</a:t>
             </a:r>
@@ -5564,7 +5904,7 @@
 </p:sld>
 </file>
 
-<file path=ppt/slides/slide18.xml><?xml version="1.0" encoding="utf-8"?>
+<file path=ppt/slides/slide19.xml><?xml version="1.0" encoding="utf-8"?>
 <p:sld xmlns:a="http://schemas.openxmlformats.org/drawingml/2006/main" xmlns:r="http://schemas.openxmlformats.org/officeDocument/2006/relationships" xmlns:p="http://schemas.openxmlformats.org/presentationml/2006/main">
   <p:cSld>
     <p:spTree>
@@ -13219,7 +13559,6 @@
               <a:rPr lang="en-US" altLang="zh-CN" dirty="0" smtClean="0"/>
               <a:t>V8</a:t>
             </a:r>
-            <a:endParaRPr lang="en-US" altLang="zh-CN" dirty="0" smtClean="0"/>
           </a:p>
           <a:p>
             <a:pPr>
@@ -13658,6 +13997,13 @@
           <a:p>
             <a:r>
               <a:rPr lang="en-US" altLang="zh-CN" dirty="0" smtClean="0"/>
+              <a:t>C++</a:t>
+            </a:r>
+            <a:endParaRPr lang="en-US" altLang="zh-CN" dirty="0" smtClean="0"/>
+          </a:p>
+          <a:p>
+            <a:r>
+              <a:rPr lang="en-US" altLang="zh-CN" dirty="0" smtClean="0"/>
               <a:t>……</a:t>
             </a:r>
             <a:endParaRPr lang="en-US" altLang="zh-CN" dirty="0"/>
@@ -13722,18 +14068,16 @@
         </p:nvSpPr>
         <p:spPr/>
         <p:txBody>
-          <a:bodyPr>
-            <a:normAutofit/>
-          </a:bodyPr>
+          <a:bodyPr/>
           <a:lstStyle/>
           <a:p>
             <a:r>
-              <a:rPr lang="en-US" altLang="zh-CN" dirty="0" err="1" smtClean="0"/>
+              <a:rPr lang="en-US" altLang="zh-CN" dirty="0"/>
+              <a:t>Web vs </a:t>
+            </a:r>
+            <a:r>
+              <a:rPr lang="en-US" altLang="zh-CN" dirty="0" err="1"/>
               <a:t>Nodejs</a:t>
-            </a:r>
-            <a:r>
-              <a:rPr lang="zh-CN" altLang="en-US" dirty="0" smtClean="0"/>
-              <a:t>的特点</a:t>
             </a:r>
             <a:endParaRPr lang="zh-CN" altLang="en-US" dirty="0"/>
           </a:p>
@@ -13749,60 +14093,97 @@
             <p:ph type="body" sz="quarter" idx="13"/>
           </p:nvPr>
         </p:nvSpPr>
-        <p:spPr/>
+        <p:spPr>
+          <a:xfrm>
+            <a:off x="1868836" y="1542074"/>
+            <a:ext cx="8356082" cy="1639666"/>
+          </a:xfrm>
+        </p:spPr>
         <p:txBody>
           <a:bodyPr/>
           <a:lstStyle/>
           <a:p>
             <a:r>
-              <a:rPr lang="zh-CN" altLang="en-US" smtClean="0"/>
-              <a:t>单进程</a:t>
+              <a:rPr lang="zh-CN" altLang="en-US" dirty="0" smtClean="0"/>
+              <a:t>兼容性</a:t>
             </a:r>
             <a:endParaRPr lang="en-US" altLang="zh-CN" dirty="0" smtClean="0"/>
           </a:p>
           <a:p>
             <a:r>
+              <a:rPr lang="en-US" altLang="zh-CN" dirty="0" smtClean="0"/>
+              <a:t>ES5</a:t>
+            </a:r>
+            <a:r>
               <a:rPr lang="zh-CN" altLang="en-US" dirty="0" smtClean="0"/>
-              <a:t>异步</a:t>
+              <a:t>？</a:t>
             </a:r>
             <a:r>
               <a:rPr lang="en-US" altLang="zh-CN" dirty="0" smtClean="0"/>
-              <a:t>I/O</a:t>
-            </a:r>
-          </a:p>
-          <a:p>
+              <a:t>ES3</a:t>
+            </a:r>
             <a:r>
               <a:rPr lang="zh-CN" altLang="en-US" dirty="0" smtClean="0"/>
-              <a:t>事件驱动</a:t>
+              <a:t>？</a:t>
             </a:r>
             <a:endParaRPr lang="en-US" altLang="zh-CN" dirty="0" smtClean="0"/>
           </a:p>
           <a:p>
-            <a:r>
-              <a:rPr lang="en-US" altLang="zh-CN" dirty="0" err="1" smtClean="0"/>
-              <a:t>CommonJS</a:t>
-            </a:r>
             <a:endParaRPr lang="zh-CN" altLang="en-US" dirty="0"/>
           </a:p>
         </p:txBody>
       </p:sp>
+      <p:pic>
+        <p:nvPicPr>
+          <p:cNvPr id="1026" name="Picture 2" descr="“say no”的图片搜索结果"/>
+          <p:cNvPicPr>
+            <a:picLocks noChangeAspect="1" noChangeArrowheads="1"/>
+          </p:cNvPicPr>
+          <p:nvPr/>
+        </p:nvPicPr>
+        <p:blipFill>
+          <a:blip r:embed="rId3">
+            <a:extLst>
+              <a:ext uri="{28A0092B-C50C-407E-A947-70E740481C1C}">
+                <a14:useLocalDpi xmlns:a14="http://schemas.microsoft.com/office/drawing/2010/main" val="0"/>
+              </a:ext>
+            </a:extLst>
+          </a:blip>
+          <a:srcRect/>
+          <a:stretch>
+            <a:fillRect/>
+          </a:stretch>
+        </p:blipFill>
+        <p:spPr bwMode="auto">
+          <a:xfrm>
+            <a:off x="5054146" y="3181740"/>
+            <a:ext cx="1638300" cy="1752600"/>
+          </a:xfrm>
+          <a:prstGeom prst="rect">
+            <a:avLst/>
+          </a:prstGeom>
+          <a:noFill/>
+          <a:extLst>
+            <a:ext uri="{909E8E84-426E-40DD-AFC4-6F175D3DCCD1}">
+              <a14:hiddenFill xmlns:a14="http://schemas.microsoft.com/office/drawing/2010/main">
+                <a:solidFill>
+                  <a:srgbClr val="FFFFFF"/>
+                </a:solidFill>
+              </a14:hiddenFill>
+            </a:ext>
+          </a:extLst>
+        </p:spPr>
+      </p:pic>
     </p:spTree>
     <p:extLst>
       <p:ext uri="{BB962C8B-B14F-4D97-AF65-F5344CB8AC3E}">
-        <p14:creationId xmlns:p14="http://schemas.microsoft.com/office/powerpoint/2010/main" val="3755496355"/>
+        <p14:creationId xmlns:p14="http://schemas.microsoft.com/office/powerpoint/2010/main" val="2482707979"/>
       </p:ext>
     </p:extLst>
   </p:cSld>
   <p:clrMapOvr>
     <a:masterClrMapping/>
   </p:clrMapOvr>
-  <p:timing>
-    <p:tnLst>
-      <p:par>
-        <p:cTn id="1" dur="indefinite" restart="never" nodeType="tmRoot"/>
-      </p:par>
-    </p:tnLst>
-  </p:timing>
 </p:sld>
 </file>
 
@@ -13835,12 +14216,18 @@
         </p:nvSpPr>
         <p:spPr/>
         <p:txBody>
-          <a:bodyPr/>
+          <a:bodyPr>
+            <a:normAutofit/>
+          </a:bodyPr>
           <a:lstStyle/>
           <a:p>
             <a:r>
+              <a:rPr lang="en-US" altLang="zh-CN" dirty="0" err="1" smtClean="0"/>
+              <a:t>Nodejs</a:t>
+            </a:r>
+            <a:r>
               <a:rPr lang="zh-CN" altLang="en-US" dirty="0" smtClean="0"/>
-              <a:t>事件驱动</a:t>
+              <a:t>的特点</a:t>
             </a:r>
             <a:endParaRPr lang="zh-CN" altLang="en-US" dirty="0"/>
           </a:p>
@@ -13856,130 +14243,75 @@
             <p:ph type="body" sz="quarter" idx="13"/>
           </p:nvPr>
         </p:nvSpPr>
-        <p:spPr>
-          <a:xfrm>
-            <a:off x="1549400" y="2351594"/>
-            <a:ext cx="9550399" cy="3385177"/>
-          </a:xfrm>
-        </p:spPr>
+        <p:spPr/>
         <p:txBody>
-          <a:bodyPr>
-            <a:normAutofit/>
-          </a:bodyPr>
+          <a:bodyPr/>
           <a:lstStyle/>
           <a:p>
             <a:r>
+              <a:rPr lang="zh-CN" altLang="en-US" dirty="0" smtClean="0"/>
+              <a:t>单进程</a:t>
+            </a:r>
+            <a:endParaRPr lang="en-US" altLang="zh-CN" dirty="0" smtClean="0"/>
+          </a:p>
+          <a:p>
+            <a:r>
+              <a:rPr lang="zh-CN" altLang="en-US" dirty="0" smtClean="0"/>
+              <a:t>异步</a:t>
+            </a:r>
+            <a:r>
               <a:rPr lang="en-US" altLang="zh-CN" dirty="0" smtClean="0"/>
-              <a:t>Dom</a:t>
-            </a:r>
+              <a:t>I/O</a:t>
+            </a:r>
+          </a:p>
+          <a:p>
+            <a:r>
+              <a:rPr lang="zh-CN" altLang="en-US" dirty="0" smtClean="0"/>
+              <a:t>事件驱动</a:t>
+            </a:r>
+            <a:endParaRPr lang="en-US" altLang="zh-CN" dirty="0" smtClean="0"/>
+          </a:p>
+          <a:p>
+            <a:r>
+              <a:rPr lang="zh-CN" altLang="en-US" dirty="0"/>
+              <a:t>编程</a:t>
+            </a:r>
+            <a:r>
+              <a:rPr lang="zh-CN" altLang="en-US" dirty="0" smtClean="0"/>
+              <a:t>风格</a:t>
+            </a:r>
+            <a:endParaRPr lang="en-US" altLang="zh-CN" dirty="0" smtClean="0"/>
           </a:p>
           <a:p>
             <a:pPr lvl="1"/>
             <a:r>
               <a:rPr lang="en-US" altLang="zh-CN" dirty="0" err="1" smtClean="0"/>
-              <a:t>Onclick</a:t>
+              <a:t>CommonJS</a:t>
             </a:r>
             <a:endParaRPr lang="en-US" altLang="zh-CN" dirty="0" smtClean="0"/>
           </a:p>
           <a:p>
             <a:pPr lvl="1"/>
             <a:r>
-              <a:rPr lang="en-US" altLang="zh-CN" dirty="0" err="1" smtClean="0"/>
-              <a:t>Ontouchstart</a:t>
-            </a:r>
-            <a:endParaRPr lang="en-US" altLang="zh-CN" dirty="0" smtClean="0"/>
-          </a:p>
-          <a:p>
-            <a:pPr lvl="1"/>
-            <a:r>
-              <a:rPr lang="en-US" altLang="zh-CN" dirty="0" err="1" smtClean="0"/>
-              <a:t>Onmosemove</a:t>
-            </a:r>
-            <a:endParaRPr lang="en-US" altLang="zh-CN" dirty="0" smtClean="0"/>
-          </a:p>
-          <a:p>
-            <a:pPr lvl="1"/>
+              <a:rPr lang="zh-CN" altLang="en-US" dirty="0" smtClean="0"/>
+              <a:t>支持</a:t>
+            </a:r>
             <a:r>
               <a:rPr lang="en-US" altLang="zh-CN" dirty="0" smtClean="0"/>
-              <a:t>……</a:t>
-            </a:r>
-          </a:p>
-          <a:p>
-            <a:r>
-              <a:rPr lang="en-US" altLang="zh-CN" dirty="0" smtClean="0"/>
-              <a:t>Ajax</a:t>
-            </a:r>
-          </a:p>
-          <a:p>
-            <a:pPr lvl="1"/>
-            <a:r>
-              <a:rPr lang="en-US" altLang="zh-CN" dirty="0" err="1" smtClean="0"/>
-              <a:t>Onreadystatechange</a:t>
-            </a:r>
-            <a:endParaRPr lang="en-US" altLang="zh-CN" dirty="0" smtClean="0"/>
-          </a:p>
-          <a:p>
-            <a:pPr lvl="1"/>
-            <a:r>
-              <a:rPr lang="en-US" altLang="zh-CN" dirty="0" smtClean="0"/>
-              <a:t>……</a:t>
-            </a:r>
-          </a:p>
-          <a:p>
+              <a:t>ES6</a:t>
+            </a:r>
+            <a:r>
+              <a:rPr lang="zh-CN" altLang="en-US" dirty="0" smtClean="0"/>
+              <a:t>大部分特性</a:t>
+            </a:r>
             <a:endParaRPr lang="zh-CN" altLang="en-US" dirty="0"/>
-          </a:p>
-        </p:txBody>
-      </p:sp>
-      <p:sp>
-        <p:nvSpPr>
-          <p:cNvPr id="4" name="文本框 3"/>
-          <p:cNvSpPr txBox="1"/>
-          <p:nvPr/>
-        </p:nvSpPr>
-        <p:spPr>
-          <a:xfrm>
-            <a:off x="4288971" y="1207372"/>
-            <a:ext cx="3058886" cy="707886"/>
-          </a:xfrm>
-          <a:prstGeom prst="rect">
-            <a:avLst/>
-          </a:prstGeom>
-          <a:noFill/>
-        </p:spPr>
-        <p:txBody>
-          <a:bodyPr wrap="square" rtlCol="0">
-            <a:spAutoFit/>
-          </a:bodyPr>
-          <a:lstStyle/>
-          <a:p>
-            <a:r>
-              <a:rPr lang="en-US" altLang="zh-CN" sz="4000" dirty="0">
-                <a:solidFill>
-                  <a:schemeClr val="bg1"/>
-                </a:solidFill>
-              </a:rPr>
-              <a:t>web</a:t>
-            </a:r>
-            <a:r>
-              <a:rPr lang="zh-CN" altLang="en-US" sz="4000" dirty="0" smtClean="0">
-                <a:solidFill>
-                  <a:schemeClr val="bg1"/>
-                </a:solidFill>
-              </a:rPr>
-              <a:t>事件</a:t>
-            </a:r>
-            <a:endParaRPr lang="zh-CN" altLang="en-US" sz="4000" dirty="0">
-              <a:solidFill>
-                <a:schemeClr val="bg1"/>
-              </a:solidFill>
-            </a:endParaRPr>
           </a:p>
         </p:txBody>
       </p:sp>
     </p:spTree>
     <p:extLst>
       <p:ext uri="{BB962C8B-B14F-4D97-AF65-F5344CB8AC3E}">
-        <p14:creationId xmlns:p14="http://schemas.microsoft.com/office/powerpoint/2010/main" val="3626203893"/>
+        <p14:creationId xmlns:p14="http://schemas.microsoft.com/office/powerpoint/2010/main" val="3755496355"/>
       </p:ext>
     </p:extLst>
   </p:cSld>
@@ -14059,64 +14391,64 @@
           <a:lstStyle/>
           <a:p>
             <a:r>
+              <a:rPr lang="en-US" altLang="zh-CN" dirty="0" smtClean="0"/>
+              <a:t>Dom</a:t>
+            </a:r>
+          </a:p>
+          <a:p>
+            <a:pPr lvl="1"/>
+            <a:r>
               <a:rPr lang="en-US" altLang="zh-CN" dirty="0" err="1" smtClean="0"/>
-              <a:t>EventEmitter</a:t>
+              <a:t>Onclick</a:t>
             </a:r>
             <a:endParaRPr lang="en-US" altLang="zh-CN" dirty="0" smtClean="0"/>
           </a:p>
           <a:p>
             <a:pPr lvl="1"/>
             <a:r>
-              <a:rPr lang="zh-CN" altLang="en-US" dirty="0" smtClean="0"/>
-              <a:t>数据库连接</a:t>
+              <a:rPr lang="en-US" altLang="zh-CN" dirty="0" err="1" smtClean="0"/>
+              <a:t>Ontouchstart</a:t>
             </a:r>
             <a:endParaRPr lang="en-US" altLang="zh-CN" dirty="0" smtClean="0"/>
           </a:p>
           <a:p>
             <a:pPr lvl="1"/>
             <a:r>
+              <a:rPr lang="en-US" altLang="zh-CN" dirty="0" err="1" smtClean="0"/>
+              <a:t>Onmosemove</a:t>
+            </a:r>
+            <a:endParaRPr lang="en-US" altLang="zh-CN" dirty="0" smtClean="0"/>
+          </a:p>
+          <a:p>
+            <a:pPr lvl="1"/>
+            <a:r>
               <a:rPr lang="en-US" altLang="zh-CN" dirty="0" smtClean="0"/>
-              <a:t>HTTP</a:t>
-            </a:r>
-            <a:r>
-              <a:rPr lang="zh-CN" altLang="en-US" dirty="0" smtClean="0"/>
-              <a:t>请求</a:t>
+              <a:t>……</a:t>
+            </a:r>
+          </a:p>
+          <a:p>
+            <a:r>
+              <a:rPr lang="en-US" altLang="zh-CN" dirty="0" smtClean="0"/>
+              <a:t>Ajax</a:t>
+            </a:r>
+          </a:p>
+          <a:p>
+            <a:pPr lvl="1"/>
+            <a:r>
+              <a:rPr lang="en-US" altLang="zh-CN" dirty="0" err="1" smtClean="0"/>
+              <a:t>Onreadystatechange</a:t>
             </a:r>
             <a:endParaRPr lang="en-US" altLang="zh-CN" dirty="0" smtClean="0"/>
           </a:p>
           <a:p>
             <a:pPr lvl="1"/>
             <a:r>
-              <a:rPr lang="zh-CN" altLang="en-US" dirty="0" smtClean="0"/>
-              <a:t>文件操作</a:t>
-            </a:r>
-            <a:endParaRPr lang="en-US" altLang="zh-CN" dirty="0" smtClean="0"/>
-          </a:p>
-          <a:p>
-            <a:pPr lvl="1"/>
-            <a:r>
               <a:rPr lang="en-US" altLang="zh-CN" dirty="0" smtClean="0"/>
-              <a:t>Stream</a:t>
-            </a:r>
-          </a:p>
-          <a:p>
-            <a:pPr lvl="1"/>
-            <a:r>
-              <a:rPr lang="en-US" altLang="zh-CN" dirty="0" smtClean="0"/>
-              <a:t>…</a:t>
-            </a:r>
-            <a:endParaRPr lang="en-US" altLang="zh-CN" dirty="0"/>
-          </a:p>
-          <a:p>
-            <a:r>
-              <a:rPr lang="zh-CN" altLang="en-US" dirty="0"/>
-              <a:t>事件</a:t>
-            </a:r>
-            <a:r>
-              <a:rPr lang="zh-CN" altLang="en-US" dirty="0" smtClean="0"/>
-              <a:t>循环</a:t>
-            </a:r>
-            <a:endParaRPr lang="en-US" altLang="zh-CN" dirty="0" smtClean="0"/>
+              <a:t>……</a:t>
+            </a:r>
+          </a:p>
+          <a:p>
+            <a:endParaRPr lang="zh-CN" altLang="en-US" dirty="0"/>
           </a:p>
         </p:txBody>
       </p:sp>
@@ -14143,12 +14475,12 @@
           <a:lstStyle/>
           <a:p>
             <a:r>
-              <a:rPr lang="en-US" altLang="zh-CN" sz="4000" dirty="0" err="1" smtClean="0">
+              <a:rPr lang="en-US" altLang="zh-CN" sz="4000" dirty="0">
                 <a:solidFill>
                   <a:schemeClr val="bg1"/>
                 </a:solidFill>
               </a:rPr>
-              <a:t>Nodejs</a:t>
+              <a:t>web</a:t>
             </a:r>
             <a:r>
               <a:rPr lang="zh-CN" altLang="en-US" sz="4000" dirty="0" smtClean="0">
@@ -14169,7 +14501,7 @@
     </p:spTree>
     <p:extLst>
       <p:ext uri="{BB962C8B-B14F-4D97-AF65-F5344CB8AC3E}">
-        <p14:creationId xmlns:p14="http://schemas.microsoft.com/office/powerpoint/2010/main" val="3883692857"/>
+        <p14:creationId xmlns:p14="http://schemas.microsoft.com/office/powerpoint/2010/main" val="3626203893"/>
       </p:ext>
     </p:extLst>
   </p:cSld>

--- a/2015-06/Nodejs基础分享.pptx
+++ b/2015-06/Nodejs基础分享.pptx
@@ -1310,6 +1310,10 @@
           <a:bodyPr/>
           <a:lstStyle/>
           <a:p>
+            <a:r>
+              <a:rPr lang="zh-CN" altLang="en-US" dirty="0" smtClean="0"/>
+              <a:t>跨平台</a:t>
+            </a:r>
             <a:endParaRPr lang="zh-CN" altLang="en-US" dirty="0"/>
           </a:p>
         </p:txBody>
@@ -5016,7 +5020,11 @@
           <a:p>
             <a:pPr lvl="1"/>
             <a:r>
-              <a:rPr lang="en-US" altLang="zh-CN" dirty="0" smtClean="0"/>
+              <a:rPr lang="en-US" altLang="zh-CN" smtClean="0"/>
+              <a:t>…</a:t>
+            </a:r>
+            <a:r>
+              <a:rPr lang="en-US" altLang="zh-CN" smtClean="0"/>
               <a:t>…</a:t>
             </a:r>
             <a:endParaRPr lang="en-US" altLang="zh-CN" dirty="0"/>
@@ -13999,7 +14007,6 @@
               <a:rPr lang="en-US" altLang="zh-CN" dirty="0" smtClean="0"/>
               <a:t>C++</a:t>
             </a:r>
-            <a:endParaRPr lang="en-US" altLang="zh-CN" dirty="0" smtClean="0"/>
           </a:p>
           <a:p>
             <a:r>
@@ -14480,7 +14487,15 @@
                   <a:schemeClr val="bg1"/>
                 </a:solidFill>
               </a:rPr>
-              <a:t>web</a:t>
+              <a:t>W</a:t>
+            </a:r>
+            <a:r>
+              <a:rPr lang="en-US" altLang="zh-CN" sz="4000" dirty="0" smtClean="0">
+                <a:solidFill>
+                  <a:schemeClr val="bg1"/>
+                </a:solidFill>
+              </a:rPr>
+              <a:t>eb</a:t>
             </a:r>
             <a:r>
               <a:rPr lang="zh-CN" altLang="en-US" sz="4000" dirty="0" smtClean="0">

--- a/2015-06/Nodejs基础分享.pptx
+++ b/2015-06/Nodejs基础分享.pptx
@@ -5,7 +5,7 @@
     <p:sldMasterId id="2147483648" r:id="rId1"/>
   </p:sldMasterIdLst>
   <p:notesMasterIdLst>
-    <p:notesMasterId r:id="rId21"/>
+    <p:notesMasterId r:id="rId25"/>
   </p:notesMasterIdLst>
   <p:sldIdLst>
     <p:sldId id="271" r:id="rId2"/>
@@ -27,6 +27,10 @@
     <p:sldId id="264" r:id="rId18"/>
     <p:sldId id="265" r:id="rId19"/>
     <p:sldId id="266" r:id="rId20"/>
+    <p:sldId id="276" r:id="rId21"/>
+    <p:sldId id="277" r:id="rId22"/>
+    <p:sldId id="278" r:id="rId23"/>
+    <p:sldId id="279" r:id="rId24"/>
   </p:sldIdLst>
   <p:sldSz cx="12192000" cy="6858000"/>
   <p:notesSz cx="6858000" cy="9144000"/>
@@ -215,7 +219,7 @@
           <a:p>
             <a:fld id="{90642F5A-1193-429B-B03B-F07216B8404E}" type="datetimeFigureOut">
               <a:rPr lang="zh-CN" altLang="en-US" smtClean="0"/>
-              <a:t>2015/6/17</a:t>
+              <a:t>2015/6/18</a:t>
             </a:fld>
             <a:endParaRPr lang="zh-CN" altLang="en-US"/>
           </a:p>
@@ -987,6 +991,390 @@
 </p:notes>
 </file>
 
+<file path=ppt/notesSlides/notesSlide15.xml><?xml version="1.0" encoding="utf-8"?>
+<p:notes xmlns:a="http://schemas.openxmlformats.org/drawingml/2006/main" xmlns:r="http://schemas.openxmlformats.org/officeDocument/2006/relationships" xmlns:p="http://schemas.openxmlformats.org/presentationml/2006/main">
+  <p:cSld>
+    <p:spTree>
+      <p:nvGrpSpPr>
+        <p:cNvPr id="1" name=""/>
+        <p:cNvGrpSpPr/>
+        <p:nvPr/>
+      </p:nvGrpSpPr>
+      <p:grpSpPr>
+        <a:xfrm>
+          <a:off x="0" y="0"/>
+          <a:ext cx="0" cy="0"/>
+          <a:chOff x="0" y="0"/>
+          <a:chExt cx="0" cy="0"/>
+        </a:xfrm>
+      </p:grpSpPr>
+      <p:sp>
+        <p:nvSpPr>
+          <p:cNvPr id="2" name="幻灯片图像占位符 1"/>
+          <p:cNvSpPr>
+            <a:spLocks noGrp="1" noRot="1" noChangeAspect="1"/>
+          </p:cNvSpPr>
+          <p:nvPr>
+            <p:ph type="sldImg"/>
+          </p:nvPr>
+        </p:nvSpPr>
+        <p:spPr/>
+      </p:sp>
+      <p:sp>
+        <p:nvSpPr>
+          <p:cNvPr id="3" name="备注占位符 2"/>
+          <p:cNvSpPr>
+            <a:spLocks noGrp="1"/>
+          </p:cNvSpPr>
+          <p:nvPr>
+            <p:ph type="body" idx="1"/>
+          </p:nvPr>
+        </p:nvSpPr>
+        <p:spPr/>
+        <p:txBody>
+          <a:bodyPr/>
+          <a:lstStyle/>
+          <a:p>
+            <a:r>
+              <a:rPr lang="en-US" altLang="zh-CN" dirty="0" err="1" smtClean="0"/>
+              <a:t>Npm</a:t>
+            </a:r>
+            <a:r>
+              <a:rPr lang="zh-CN" altLang="en-US" dirty="0" smtClean="0"/>
+              <a:t>是开放的低门槛的</a:t>
+            </a:r>
+            <a:r>
+              <a:rPr lang="en-US" altLang="zh-CN" dirty="0" err="1" smtClean="0"/>
+              <a:t>Nodejs</a:t>
+            </a:r>
+            <a:r>
+              <a:rPr lang="zh-CN" altLang="en-US" dirty="0" smtClean="0"/>
+              <a:t>包管理系统，任何人都可以从</a:t>
+            </a:r>
+            <a:r>
+              <a:rPr lang="en-US" altLang="zh-CN" dirty="0" err="1" smtClean="0"/>
+              <a:t>npm</a:t>
+            </a:r>
+            <a:r>
+              <a:rPr lang="zh-CN" altLang="en-US" dirty="0" smtClean="0"/>
+              <a:t>获取需要的包，也可以轻易的发布自己的包到</a:t>
+            </a:r>
+            <a:r>
+              <a:rPr lang="en-US" altLang="zh-CN" dirty="0" err="1" smtClean="0"/>
+              <a:t>npm</a:t>
+            </a:r>
+            <a:r>
+              <a:rPr lang="zh-CN" altLang="en-US" dirty="0" smtClean="0"/>
+              <a:t>仓库，只需注册一个账号即可</a:t>
+            </a:r>
+            <a:endParaRPr lang="zh-CN" altLang="en-US" dirty="0"/>
+          </a:p>
+        </p:txBody>
+      </p:sp>
+      <p:sp>
+        <p:nvSpPr>
+          <p:cNvPr id="4" name="灯片编号占位符 3"/>
+          <p:cNvSpPr>
+            <a:spLocks noGrp="1"/>
+          </p:cNvSpPr>
+          <p:nvPr>
+            <p:ph type="sldNum" sz="quarter" idx="10"/>
+          </p:nvPr>
+        </p:nvSpPr>
+        <p:spPr/>
+        <p:txBody>
+          <a:bodyPr/>
+          <a:lstStyle/>
+          <a:p>
+            <a:fld id="{99EA21AC-04B3-4C51-BC61-F9EC1F3B6E67}" type="slidenum">
+              <a:rPr lang="zh-CN" altLang="en-US" smtClean="0"/>
+              <a:t>20</a:t>
+            </a:fld>
+            <a:endParaRPr lang="zh-CN" altLang="en-US"/>
+          </a:p>
+        </p:txBody>
+      </p:sp>
+    </p:spTree>
+    <p:extLst>
+      <p:ext uri="{BB962C8B-B14F-4D97-AF65-F5344CB8AC3E}">
+        <p14:creationId xmlns:p14="http://schemas.microsoft.com/office/powerpoint/2010/main" val="2262271024"/>
+      </p:ext>
+    </p:extLst>
+  </p:cSld>
+  <p:clrMapOvr>
+    <a:masterClrMapping/>
+  </p:clrMapOvr>
+</p:notes>
+</file>
+
+<file path=ppt/notesSlides/notesSlide16.xml><?xml version="1.0" encoding="utf-8"?>
+<p:notes xmlns:a="http://schemas.openxmlformats.org/drawingml/2006/main" xmlns:r="http://schemas.openxmlformats.org/officeDocument/2006/relationships" xmlns:p="http://schemas.openxmlformats.org/presentationml/2006/main">
+  <p:cSld>
+    <p:spTree>
+      <p:nvGrpSpPr>
+        <p:cNvPr id="1" name=""/>
+        <p:cNvGrpSpPr/>
+        <p:nvPr/>
+      </p:nvGrpSpPr>
+      <p:grpSpPr>
+        <a:xfrm>
+          <a:off x="0" y="0"/>
+          <a:ext cx="0" cy="0"/>
+          <a:chOff x="0" y="0"/>
+          <a:chExt cx="0" cy="0"/>
+        </a:xfrm>
+      </p:grpSpPr>
+      <p:sp>
+        <p:nvSpPr>
+          <p:cNvPr id="2" name="幻灯片图像占位符 1"/>
+          <p:cNvSpPr>
+            <a:spLocks noGrp="1" noRot="1" noChangeAspect="1"/>
+          </p:cNvSpPr>
+          <p:nvPr>
+            <p:ph type="sldImg"/>
+          </p:nvPr>
+        </p:nvSpPr>
+        <p:spPr/>
+      </p:sp>
+      <p:sp>
+        <p:nvSpPr>
+          <p:cNvPr id="3" name="备注占位符 2"/>
+          <p:cNvSpPr>
+            <a:spLocks noGrp="1"/>
+          </p:cNvSpPr>
+          <p:nvPr>
+            <p:ph type="body" idx="1"/>
+          </p:nvPr>
+        </p:nvSpPr>
+        <p:spPr/>
+        <p:txBody>
+          <a:bodyPr/>
+          <a:lstStyle/>
+          <a:p>
+            <a:endParaRPr lang="zh-CN" altLang="en-US" dirty="0"/>
+          </a:p>
+        </p:txBody>
+      </p:sp>
+      <p:sp>
+        <p:nvSpPr>
+          <p:cNvPr id="4" name="灯片编号占位符 3"/>
+          <p:cNvSpPr>
+            <a:spLocks noGrp="1"/>
+          </p:cNvSpPr>
+          <p:nvPr>
+            <p:ph type="sldNum" sz="quarter" idx="10"/>
+          </p:nvPr>
+        </p:nvSpPr>
+        <p:spPr/>
+        <p:txBody>
+          <a:bodyPr/>
+          <a:lstStyle/>
+          <a:p>
+            <a:fld id="{99EA21AC-04B3-4C51-BC61-F9EC1F3B6E67}" type="slidenum">
+              <a:rPr lang="zh-CN" altLang="en-US" smtClean="0"/>
+              <a:t>21</a:t>
+            </a:fld>
+            <a:endParaRPr lang="zh-CN" altLang="en-US"/>
+          </a:p>
+        </p:txBody>
+      </p:sp>
+    </p:spTree>
+    <p:extLst>
+      <p:ext uri="{BB962C8B-B14F-4D97-AF65-F5344CB8AC3E}">
+        <p14:creationId xmlns:p14="http://schemas.microsoft.com/office/powerpoint/2010/main" val="954001402"/>
+      </p:ext>
+    </p:extLst>
+  </p:cSld>
+  <p:clrMapOvr>
+    <a:masterClrMapping/>
+  </p:clrMapOvr>
+</p:notes>
+</file>
+
+<file path=ppt/notesSlides/notesSlide17.xml><?xml version="1.0" encoding="utf-8"?>
+<p:notes xmlns:a="http://schemas.openxmlformats.org/drawingml/2006/main" xmlns:r="http://schemas.openxmlformats.org/officeDocument/2006/relationships" xmlns:p="http://schemas.openxmlformats.org/presentationml/2006/main">
+  <p:cSld>
+    <p:spTree>
+      <p:nvGrpSpPr>
+        <p:cNvPr id="1" name=""/>
+        <p:cNvGrpSpPr/>
+        <p:nvPr/>
+      </p:nvGrpSpPr>
+      <p:grpSpPr>
+        <a:xfrm>
+          <a:off x="0" y="0"/>
+          <a:ext cx="0" cy="0"/>
+          <a:chOff x="0" y="0"/>
+          <a:chExt cx="0" cy="0"/>
+        </a:xfrm>
+      </p:grpSpPr>
+      <p:sp>
+        <p:nvSpPr>
+          <p:cNvPr id="2" name="幻灯片图像占位符 1"/>
+          <p:cNvSpPr>
+            <a:spLocks noGrp="1" noRot="1" noChangeAspect="1"/>
+          </p:cNvSpPr>
+          <p:nvPr>
+            <p:ph type="sldImg"/>
+          </p:nvPr>
+        </p:nvSpPr>
+        <p:spPr/>
+      </p:sp>
+      <p:sp>
+        <p:nvSpPr>
+          <p:cNvPr id="3" name="备注占位符 2"/>
+          <p:cNvSpPr>
+            <a:spLocks noGrp="1"/>
+          </p:cNvSpPr>
+          <p:nvPr>
+            <p:ph type="body" idx="1"/>
+          </p:nvPr>
+        </p:nvSpPr>
+        <p:spPr/>
+        <p:txBody>
+          <a:bodyPr/>
+          <a:lstStyle/>
+          <a:p>
+            <a:r>
+              <a:rPr lang="en-US" altLang="zh-CN" dirty="0" smtClean="0"/>
+              <a:t>Node debug</a:t>
+            </a:r>
+            <a:r>
+              <a:rPr lang="zh-CN" altLang="en-US" dirty="0" smtClean="0"/>
+              <a:t>和</a:t>
+            </a:r>
+            <a:r>
+              <a:rPr lang="en-US" altLang="zh-CN" dirty="0" smtClean="0"/>
+              <a:t>node –debug</a:t>
+            </a:r>
+            <a:r>
+              <a:rPr lang="zh-CN" altLang="en-US" dirty="0" smtClean="0"/>
+              <a:t>的区别</a:t>
+            </a:r>
+            <a:endParaRPr lang="zh-CN" altLang="en-US" dirty="0"/>
+          </a:p>
+        </p:txBody>
+      </p:sp>
+      <p:sp>
+        <p:nvSpPr>
+          <p:cNvPr id="4" name="灯片编号占位符 3"/>
+          <p:cNvSpPr>
+            <a:spLocks noGrp="1"/>
+          </p:cNvSpPr>
+          <p:nvPr>
+            <p:ph type="sldNum" sz="quarter" idx="10"/>
+          </p:nvPr>
+        </p:nvSpPr>
+        <p:spPr/>
+        <p:txBody>
+          <a:bodyPr/>
+          <a:lstStyle/>
+          <a:p>
+            <a:fld id="{99EA21AC-04B3-4C51-BC61-F9EC1F3B6E67}" type="slidenum">
+              <a:rPr lang="zh-CN" altLang="en-US" smtClean="0"/>
+              <a:t>22</a:t>
+            </a:fld>
+            <a:endParaRPr lang="zh-CN" altLang="en-US"/>
+          </a:p>
+        </p:txBody>
+      </p:sp>
+    </p:spTree>
+    <p:extLst>
+      <p:ext uri="{BB962C8B-B14F-4D97-AF65-F5344CB8AC3E}">
+        <p14:creationId xmlns:p14="http://schemas.microsoft.com/office/powerpoint/2010/main" val="1064033171"/>
+      </p:ext>
+    </p:extLst>
+  </p:cSld>
+  <p:clrMapOvr>
+    <a:masterClrMapping/>
+  </p:clrMapOvr>
+</p:notes>
+</file>
+
+<file path=ppt/notesSlides/notesSlide18.xml><?xml version="1.0" encoding="utf-8"?>
+<p:notes xmlns:a="http://schemas.openxmlformats.org/drawingml/2006/main" xmlns:r="http://schemas.openxmlformats.org/officeDocument/2006/relationships" xmlns:p="http://schemas.openxmlformats.org/presentationml/2006/main">
+  <p:cSld>
+    <p:spTree>
+      <p:nvGrpSpPr>
+        <p:cNvPr id="1" name=""/>
+        <p:cNvGrpSpPr/>
+        <p:nvPr/>
+      </p:nvGrpSpPr>
+      <p:grpSpPr>
+        <a:xfrm>
+          <a:off x="0" y="0"/>
+          <a:ext cx="0" cy="0"/>
+          <a:chOff x="0" y="0"/>
+          <a:chExt cx="0" cy="0"/>
+        </a:xfrm>
+      </p:grpSpPr>
+      <p:sp>
+        <p:nvSpPr>
+          <p:cNvPr id="2" name="幻灯片图像占位符 1"/>
+          <p:cNvSpPr>
+            <a:spLocks noGrp="1" noRot="1" noChangeAspect="1"/>
+          </p:cNvSpPr>
+          <p:nvPr>
+            <p:ph type="sldImg"/>
+          </p:nvPr>
+        </p:nvSpPr>
+        <p:spPr/>
+      </p:sp>
+      <p:sp>
+        <p:nvSpPr>
+          <p:cNvPr id="3" name="备注占位符 2"/>
+          <p:cNvSpPr>
+            <a:spLocks noGrp="1"/>
+          </p:cNvSpPr>
+          <p:nvPr>
+            <p:ph type="body" idx="1"/>
+          </p:nvPr>
+        </p:nvSpPr>
+        <p:spPr/>
+        <p:txBody>
+          <a:bodyPr/>
+          <a:lstStyle/>
+          <a:p>
+            <a:endParaRPr lang="zh-CN" altLang="en-US" dirty="0"/>
+          </a:p>
+        </p:txBody>
+      </p:sp>
+      <p:sp>
+        <p:nvSpPr>
+          <p:cNvPr id="4" name="灯片编号占位符 3"/>
+          <p:cNvSpPr>
+            <a:spLocks noGrp="1"/>
+          </p:cNvSpPr>
+          <p:nvPr>
+            <p:ph type="sldNum" sz="quarter" idx="10"/>
+          </p:nvPr>
+        </p:nvSpPr>
+        <p:spPr/>
+        <p:txBody>
+          <a:bodyPr/>
+          <a:lstStyle/>
+          <a:p>
+            <a:fld id="{99EA21AC-04B3-4C51-BC61-F9EC1F3B6E67}" type="slidenum">
+              <a:rPr lang="zh-CN" altLang="en-US" smtClean="0"/>
+              <a:t>23</a:t>
+            </a:fld>
+            <a:endParaRPr lang="zh-CN" altLang="en-US"/>
+          </a:p>
+        </p:txBody>
+      </p:sp>
+    </p:spTree>
+    <p:extLst>
+      <p:ext uri="{BB962C8B-B14F-4D97-AF65-F5344CB8AC3E}">
+        <p14:creationId xmlns:p14="http://schemas.microsoft.com/office/powerpoint/2010/main" val="350434"/>
+      </p:ext>
+    </p:extLst>
+  </p:cSld>
+  <p:clrMapOvr>
+    <a:masterClrMapping/>
+  </p:clrMapOvr>
+</p:notes>
+</file>
+
 <file path=ppt/notesSlides/notesSlide2.xml><?xml version="1.0" encoding="utf-8"?>
 <p:notes xmlns:a="http://schemas.openxmlformats.org/drawingml/2006/main" xmlns:r="http://schemas.openxmlformats.org/officeDocument/2006/relationships" xmlns:p="http://schemas.openxmlformats.org/presentationml/2006/main">
   <p:cSld>
@@ -1661,6 +2049,298 @@
         <p:txBody>
           <a:bodyPr/>
           <a:lstStyle/>
+          <a:p>
+            <a:r>
+              <a:rPr lang="zh-CN" altLang="en-US" sz="1200" b="0" i="0" u="none" strike="noStrike" kern="1200" dirty="0" smtClean="0">
+                <a:solidFill>
+                  <a:schemeClr val="tx1"/>
+                </a:solidFill>
+                <a:effectLst/>
+                <a:latin typeface="+mn-lt"/>
+                <a:ea typeface="+mn-ea"/>
+                <a:cs typeface="+mn-cs"/>
+              </a:rPr>
+              <a:t>上图主线程的绿色部分，还是表示运行时间，而橙色部分表示空闲时间。每当遇到</a:t>
+            </a:r>
+            <a:r>
+              <a:rPr lang="en-US" altLang="zh-CN" sz="1200" b="0" i="0" u="none" strike="noStrike" kern="1200" dirty="0" smtClean="0">
+                <a:solidFill>
+                  <a:schemeClr val="tx1"/>
+                </a:solidFill>
+                <a:effectLst/>
+                <a:latin typeface="+mn-lt"/>
+                <a:ea typeface="+mn-ea"/>
+                <a:cs typeface="+mn-cs"/>
+              </a:rPr>
+              <a:t>I/O</a:t>
+            </a:r>
+            <a:r>
+              <a:rPr lang="zh-CN" altLang="en-US" sz="1200" b="0" i="0" u="none" strike="noStrike" kern="1200" dirty="0" smtClean="0">
+                <a:solidFill>
+                  <a:schemeClr val="tx1"/>
+                </a:solidFill>
+                <a:effectLst/>
+                <a:latin typeface="+mn-lt"/>
+                <a:ea typeface="+mn-ea"/>
+                <a:cs typeface="+mn-cs"/>
+              </a:rPr>
+              <a:t>的时候，主线程就让</a:t>
+            </a:r>
+            <a:r>
+              <a:rPr lang="en-US" altLang="zh-CN" sz="1200" b="0" i="0" u="none" strike="noStrike" kern="1200" dirty="0" smtClean="0">
+                <a:solidFill>
+                  <a:schemeClr val="tx1"/>
+                </a:solidFill>
+                <a:effectLst/>
+                <a:latin typeface="+mn-lt"/>
+                <a:ea typeface="+mn-ea"/>
+                <a:cs typeface="+mn-cs"/>
+              </a:rPr>
+              <a:t>Event Loop</a:t>
+            </a:r>
+            <a:r>
+              <a:rPr lang="zh-CN" altLang="en-US" sz="1200" b="0" i="0" u="none" strike="noStrike" kern="1200" dirty="0" smtClean="0">
+                <a:solidFill>
+                  <a:schemeClr val="tx1"/>
+                </a:solidFill>
+                <a:effectLst/>
+                <a:latin typeface="+mn-lt"/>
+                <a:ea typeface="+mn-ea"/>
+                <a:cs typeface="+mn-cs"/>
+              </a:rPr>
+              <a:t>线程去通知相应的</a:t>
+            </a:r>
+            <a:r>
+              <a:rPr lang="en-US" altLang="zh-CN" sz="1200" b="0" i="0" u="none" strike="noStrike" kern="1200" dirty="0" smtClean="0">
+                <a:solidFill>
+                  <a:schemeClr val="tx1"/>
+                </a:solidFill>
+                <a:effectLst/>
+                <a:latin typeface="+mn-lt"/>
+                <a:ea typeface="+mn-ea"/>
+                <a:cs typeface="+mn-cs"/>
+              </a:rPr>
+              <a:t>I/O</a:t>
+            </a:r>
+            <a:r>
+              <a:rPr lang="zh-CN" altLang="en-US" sz="1200" b="0" i="0" u="none" strike="noStrike" kern="1200" dirty="0" smtClean="0">
+                <a:solidFill>
+                  <a:schemeClr val="tx1"/>
+                </a:solidFill>
+                <a:effectLst/>
+                <a:latin typeface="+mn-lt"/>
+                <a:ea typeface="+mn-ea"/>
+                <a:cs typeface="+mn-cs"/>
+              </a:rPr>
+              <a:t>程序，然后接着往后运行，所以不存在红色的等待时间。等到</a:t>
+            </a:r>
+            <a:r>
+              <a:rPr lang="en-US" altLang="zh-CN" sz="1200" b="0" i="0" u="none" strike="noStrike" kern="1200" dirty="0" smtClean="0">
+                <a:solidFill>
+                  <a:schemeClr val="tx1"/>
+                </a:solidFill>
+                <a:effectLst/>
+                <a:latin typeface="+mn-lt"/>
+                <a:ea typeface="+mn-ea"/>
+                <a:cs typeface="+mn-cs"/>
+              </a:rPr>
+              <a:t>I/O</a:t>
+            </a:r>
+            <a:r>
+              <a:rPr lang="zh-CN" altLang="en-US" sz="1200" b="0" i="0" u="none" strike="noStrike" kern="1200" dirty="0" smtClean="0">
+                <a:solidFill>
+                  <a:schemeClr val="tx1"/>
+                </a:solidFill>
+                <a:effectLst/>
+                <a:latin typeface="+mn-lt"/>
+                <a:ea typeface="+mn-ea"/>
+                <a:cs typeface="+mn-cs"/>
+              </a:rPr>
+              <a:t>程序完成操作，</a:t>
+            </a:r>
+            <a:r>
+              <a:rPr lang="en-US" altLang="zh-CN" sz="1200" b="0" i="0" u="none" strike="noStrike" kern="1200" dirty="0" smtClean="0">
+                <a:solidFill>
+                  <a:schemeClr val="tx1"/>
+                </a:solidFill>
+                <a:effectLst/>
+                <a:latin typeface="+mn-lt"/>
+                <a:ea typeface="+mn-ea"/>
+                <a:cs typeface="+mn-cs"/>
+              </a:rPr>
+              <a:t>Event Loop</a:t>
+            </a:r>
+            <a:r>
+              <a:rPr lang="zh-CN" altLang="en-US" sz="1200" b="0" i="0" u="none" strike="noStrike" kern="1200" dirty="0" smtClean="0">
+                <a:solidFill>
+                  <a:schemeClr val="tx1"/>
+                </a:solidFill>
+                <a:effectLst/>
+                <a:latin typeface="+mn-lt"/>
+                <a:ea typeface="+mn-ea"/>
+                <a:cs typeface="+mn-cs"/>
+              </a:rPr>
+              <a:t>线程再把结果返回主线程。主线程就调用事先设定的回调函数，完成整个任务。</a:t>
+            </a:r>
+          </a:p>
+          <a:p>
+            <a:r>
+              <a:rPr lang="zh-CN" altLang="en-US" sz="1200" b="0" i="0" u="none" strike="noStrike" kern="1200" dirty="0" smtClean="0">
+                <a:solidFill>
+                  <a:schemeClr val="tx1"/>
+                </a:solidFill>
+                <a:effectLst/>
+                <a:latin typeface="+mn-lt"/>
+                <a:ea typeface="+mn-ea"/>
+                <a:cs typeface="+mn-cs"/>
+              </a:rPr>
+              <a:t>可以看到，由于多出了橙色的空闲时间，所以主线程得以运行更多的任务，这就提高了效率。这种运行方式称为</a:t>
+            </a:r>
+            <a:r>
+              <a:rPr lang="en-US" altLang="zh-CN" sz="1200" b="0" i="0" u="none" strike="noStrike" kern="1200" dirty="0" smtClean="0">
+                <a:solidFill>
+                  <a:schemeClr val="tx1"/>
+                </a:solidFill>
+                <a:effectLst/>
+                <a:latin typeface="+mn-lt"/>
+                <a:ea typeface="+mn-ea"/>
+                <a:cs typeface="+mn-cs"/>
+              </a:rPr>
+              <a:t>"</a:t>
+            </a:r>
+            <a:r>
+              <a:rPr lang="zh-CN" altLang="en-US" sz="1200" b="0" i="0" u="none" strike="noStrike" kern="1200" dirty="0" smtClean="0">
+                <a:solidFill>
+                  <a:schemeClr val="tx1"/>
+                </a:solidFill>
+                <a:effectLst/>
+                <a:latin typeface="+mn-lt"/>
+                <a:ea typeface="+mn-ea"/>
+                <a:cs typeface="+mn-cs"/>
+              </a:rPr>
+              <a:t>异步模式</a:t>
+            </a:r>
+            <a:r>
+              <a:rPr lang="en-US" altLang="zh-CN" sz="1200" b="0" i="0" u="none" strike="noStrike" kern="1200" dirty="0" smtClean="0">
+                <a:solidFill>
+                  <a:schemeClr val="tx1"/>
+                </a:solidFill>
+                <a:effectLst/>
+                <a:latin typeface="+mn-lt"/>
+                <a:ea typeface="+mn-ea"/>
+                <a:cs typeface="+mn-cs"/>
+              </a:rPr>
+              <a:t>"</a:t>
+            </a:r>
+            <a:r>
+              <a:rPr lang="zh-CN" altLang="en-US" sz="1200" b="0" i="0" u="none" strike="noStrike" kern="1200" dirty="0" smtClean="0">
+                <a:solidFill>
+                  <a:schemeClr val="tx1"/>
+                </a:solidFill>
+                <a:effectLst/>
+                <a:latin typeface="+mn-lt"/>
+                <a:ea typeface="+mn-ea"/>
+                <a:cs typeface="+mn-cs"/>
+              </a:rPr>
+              <a:t>（</a:t>
+            </a:r>
+            <a:r>
+              <a:rPr lang="en-US" altLang="zh-CN" sz="1200" b="0" i="0" u="none" strike="noStrike" kern="1200" dirty="0" smtClean="0">
+                <a:solidFill>
+                  <a:schemeClr val="tx1"/>
+                </a:solidFill>
+                <a:effectLst/>
+                <a:latin typeface="+mn-lt"/>
+                <a:ea typeface="+mn-ea"/>
+                <a:cs typeface="+mn-cs"/>
+              </a:rPr>
+              <a:t>asynchronous I/O</a:t>
+            </a:r>
+            <a:r>
+              <a:rPr lang="zh-CN" altLang="en-US" sz="1200" b="0" i="0" u="none" strike="noStrike" kern="1200" dirty="0" smtClean="0">
+                <a:solidFill>
+                  <a:schemeClr val="tx1"/>
+                </a:solidFill>
+                <a:effectLst/>
+                <a:latin typeface="+mn-lt"/>
+                <a:ea typeface="+mn-ea"/>
+                <a:cs typeface="+mn-cs"/>
+              </a:rPr>
+              <a:t>）或</a:t>
+            </a:r>
+            <a:r>
+              <a:rPr lang="en-US" altLang="zh-CN" sz="1200" b="0" i="0" u="none" strike="noStrike" kern="1200" dirty="0" smtClean="0">
+                <a:solidFill>
+                  <a:schemeClr val="tx1"/>
+                </a:solidFill>
+                <a:effectLst/>
+                <a:latin typeface="+mn-lt"/>
+                <a:ea typeface="+mn-ea"/>
+                <a:cs typeface="+mn-cs"/>
+              </a:rPr>
+              <a:t>"</a:t>
+            </a:r>
+            <a:r>
+              <a:rPr lang="zh-CN" altLang="en-US" sz="1200" b="0" i="0" u="none" strike="noStrike" kern="1200" dirty="0" smtClean="0">
+                <a:solidFill>
+                  <a:schemeClr val="tx1"/>
+                </a:solidFill>
+                <a:effectLst/>
+                <a:latin typeface="+mn-lt"/>
+                <a:ea typeface="+mn-ea"/>
+                <a:cs typeface="+mn-cs"/>
+              </a:rPr>
+              <a:t>非堵塞模式</a:t>
+            </a:r>
+            <a:r>
+              <a:rPr lang="en-US" altLang="zh-CN" sz="1200" b="0" i="0" u="none" strike="noStrike" kern="1200" dirty="0" smtClean="0">
+                <a:solidFill>
+                  <a:schemeClr val="tx1"/>
+                </a:solidFill>
+                <a:effectLst/>
+                <a:latin typeface="+mn-lt"/>
+                <a:ea typeface="+mn-ea"/>
+                <a:cs typeface="+mn-cs"/>
+              </a:rPr>
+              <a:t>"</a:t>
+            </a:r>
+            <a:r>
+              <a:rPr lang="zh-CN" altLang="en-US" sz="1200" b="0" i="0" u="none" strike="noStrike" kern="1200" dirty="0" smtClean="0">
+                <a:solidFill>
+                  <a:schemeClr val="tx1"/>
+                </a:solidFill>
+                <a:effectLst/>
+                <a:latin typeface="+mn-lt"/>
+                <a:ea typeface="+mn-ea"/>
+                <a:cs typeface="+mn-cs"/>
+              </a:rPr>
+              <a:t>（</a:t>
+            </a:r>
+            <a:r>
+              <a:rPr lang="en-US" altLang="zh-CN" sz="1200" b="0" i="0" u="none" strike="noStrike" kern="1200" dirty="0" smtClean="0">
+                <a:solidFill>
+                  <a:schemeClr val="tx1"/>
+                </a:solidFill>
+                <a:effectLst/>
+                <a:latin typeface="+mn-lt"/>
+                <a:ea typeface="+mn-ea"/>
+                <a:cs typeface="+mn-cs"/>
+              </a:rPr>
+              <a:t>non-blocking mode</a:t>
+            </a:r>
+            <a:r>
+              <a:rPr lang="zh-CN" altLang="en-US" sz="1200" b="0" i="0" u="none" strike="noStrike" kern="1200" dirty="0" smtClean="0">
+                <a:solidFill>
+                  <a:schemeClr val="tx1"/>
+                </a:solidFill>
+                <a:effectLst/>
+                <a:latin typeface="+mn-lt"/>
+                <a:ea typeface="+mn-ea"/>
+                <a:cs typeface="+mn-cs"/>
+              </a:rPr>
+              <a:t>）。</a:t>
+            </a:r>
+          </a:p>
           <a:p>
             <a:endParaRPr lang="zh-CN" altLang="en-US" dirty="0"/>
           </a:p>
@@ -1917,7 +2597,7 @@
           <a:p>
             <a:fld id="{1B373F89-C89E-4F66-A4DB-C155C00E9555}" type="datetimeFigureOut">
               <a:rPr lang="zh-CN" altLang="en-US" smtClean="0"/>
-              <a:t>2015/6/17</a:t>
+              <a:t>2015/6/18</a:t>
             </a:fld>
             <a:endParaRPr lang="zh-CN" altLang="en-US"/>
           </a:p>
@@ -2094,7 +2774,7 @@
           <a:p>
             <a:fld id="{1B373F89-C89E-4F66-A4DB-C155C00E9555}" type="datetimeFigureOut">
               <a:rPr lang="zh-CN" altLang="en-US" smtClean="0"/>
-              <a:t>2015/6/17</a:t>
+              <a:t>2015/6/18</a:t>
             </a:fld>
             <a:endParaRPr lang="zh-CN" altLang="en-US"/>
           </a:p>
@@ -2274,7 +2954,7 @@
           <a:p>
             <a:fld id="{1B373F89-C89E-4F66-A4DB-C155C00E9555}" type="datetimeFigureOut">
               <a:rPr lang="zh-CN" altLang="en-US" smtClean="0"/>
-              <a:t>2015/6/17</a:t>
+              <a:t>2015/6/18</a:t>
             </a:fld>
             <a:endParaRPr lang="zh-CN" altLang="en-US"/>
           </a:p>
@@ -2429,7 +3109,7 @@
           <a:p>
             <a:fld id="{1B373F89-C89E-4F66-A4DB-C155C00E9555}" type="datetimeFigureOut">
               <a:rPr lang="zh-CN" altLang="en-US" smtClean="0"/>
-              <a:t>2015/6/17</a:t>
+              <a:t>2015/6/18</a:t>
             </a:fld>
             <a:endParaRPr lang="zh-CN" altLang="en-US"/>
           </a:p>
@@ -2775,7 +3455,7 @@
           <a:p>
             <a:fld id="{1B373F89-C89E-4F66-A4DB-C155C00E9555}" type="datetimeFigureOut">
               <a:rPr lang="zh-CN" altLang="en-US" smtClean="0"/>
-              <a:t>2015/6/17</a:t>
+              <a:t>2015/6/18</a:t>
             </a:fld>
             <a:endParaRPr lang="zh-CN" altLang="en-US"/>
           </a:p>
@@ -3014,7 +3694,7 @@
           <a:p>
             <a:fld id="{1B373F89-C89E-4F66-A4DB-C155C00E9555}" type="datetimeFigureOut">
               <a:rPr lang="zh-CN" altLang="en-US" smtClean="0"/>
-              <a:t>2015/6/17</a:t>
+              <a:t>2015/6/18</a:t>
             </a:fld>
             <a:endParaRPr lang="zh-CN" altLang="en-US"/>
           </a:p>
@@ -3388,7 +4068,7 @@
           <a:p>
             <a:fld id="{1B373F89-C89E-4F66-A4DB-C155C00E9555}" type="datetimeFigureOut">
               <a:rPr lang="zh-CN" altLang="en-US" smtClean="0"/>
-              <a:t>2015/6/17</a:t>
+              <a:t>2015/6/18</a:t>
             </a:fld>
             <a:endParaRPr lang="zh-CN" altLang="en-US"/>
           </a:p>
@@ -3513,7 +4193,7 @@
           <a:p>
             <a:fld id="{1B373F89-C89E-4F66-A4DB-C155C00E9555}" type="datetimeFigureOut">
               <a:rPr lang="zh-CN" altLang="en-US" smtClean="0"/>
-              <a:t>2015/6/17</a:t>
+              <a:t>2015/6/18</a:t>
             </a:fld>
             <a:endParaRPr lang="zh-CN" altLang="en-US"/>
           </a:p>
@@ -3608,7 +4288,7 @@
           <a:p>
             <a:fld id="{1B373F89-C89E-4F66-A4DB-C155C00E9555}" type="datetimeFigureOut">
               <a:rPr lang="zh-CN" altLang="en-US" smtClean="0"/>
-              <a:t>2015/6/17</a:t>
+              <a:t>2015/6/18</a:t>
             </a:fld>
             <a:endParaRPr lang="zh-CN" altLang="en-US"/>
           </a:p>
@@ -3885,7 +4565,7 @@
           <a:p>
             <a:fld id="{1B373F89-C89E-4F66-A4DB-C155C00E9555}" type="datetimeFigureOut">
               <a:rPr lang="zh-CN" altLang="en-US" smtClean="0"/>
-              <a:t>2015/6/17</a:t>
+              <a:t>2015/6/18</a:t>
             </a:fld>
             <a:endParaRPr lang="zh-CN" altLang="en-US"/>
           </a:p>
@@ -4138,7 +4818,7 @@
           <a:p>
             <a:fld id="{1B373F89-C89E-4F66-A4DB-C155C00E9555}" type="datetimeFigureOut">
               <a:rPr lang="zh-CN" altLang="en-US" smtClean="0"/>
-              <a:t>2015/6/17</a:t>
+              <a:t>2015/6/18</a:t>
             </a:fld>
             <a:endParaRPr lang="zh-CN" altLang="en-US"/>
           </a:p>
@@ -4374,7 +5054,7 @@
           <a:p>
             <a:fld id="{1B373F89-C89E-4F66-A4DB-C155C00E9555}" type="datetimeFigureOut">
               <a:rPr lang="zh-CN" altLang="en-US" smtClean="0"/>
-              <a:t>2015/6/17</a:t>
+              <a:t>2015/6/18</a:t>
             </a:fld>
             <a:endParaRPr lang="zh-CN" altLang="en-US"/>
           </a:p>
@@ -5020,12 +5700,8 @@
           <a:p>
             <a:pPr lvl="1"/>
             <a:r>
-              <a:rPr lang="en-US" altLang="zh-CN" smtClean="0"/>
-              <a:t>…</a:t>
-            </a:r>
-            <a:r>
-              <a:rPr lang="en-US" altLang="zh-CN" smtClean="0"/>
-              <a:t>…</a:t>
+              <a:rPr lang="en-US" altLang="zh-CN" dirty="0" smtClean="0"/>
+              <a:t>……</a:t>
             </a:r>
             <a:endParaRPr lang="en-US" altLang="zh-CN" dirty="0"/>
           </a:p>
@@ -5182,6 +5858,47 @@
           </a:p>
         </p:txBody>
       </p:sp>
+      <p:pic>
+        <p:nvPicPr>
+          <p:cNvPr id="1026" name="Picture 2" descr="asynchronous mode"/>
+          <p:cNvPicPr>
+            <a:picLocks noChangeAspect="1" noChangeArrowheads="1"/>
+          </p:cNvPicPr>
+          <p:nvPr/>
+        </p:nvPicPr>
+        <p:blipFill>
+          <a:blip r:embed="rId3">
+            <a:extLst>
+              <a:ext uri="{28A0092B-C50C-407E-A947-70E740481C1C}">
+                <a14:useLocalDpi xmlns:a14="http://schemas.microsoft.com/office/drawing/2010/main" val="0"/>
+              </a:ext>
+            </a:extLst>
+          </a:blip>
+          <a:srcRect/>
+          <a:stretch>
+            <a:fillRect/>
+          </a:stretch>
+        </p:blipFill>
+        <p:spPr bwMode="auto">
+          <a:xfrm>
+            <a:off x="3561249" y="2594463"/>
+            <a:ext cx="4762500" cy="3848101"/>
+          </a:xfrm>
+          <a:prstGeom prst="rect">
+            <a:avLst/>
+          </a:prstGeom>
+          <a:noFill/>
+          <a:extLst>
+            <a:ext uri="{909E8E84-426E-40DD-AFC4-6F175D3DCCD1}">
+              <a14:hiddenFill xmlns:a14="http://schemas.microsoft.com/office/drawing/2010/main">
+                <a:solidFill>
+                  <a:srgbClr val="FFFFFF"/>
+                </a:solidFill>
+              </a14:hiddenFill>
+            </a:ext>
+          </a:extLst>
+        </p:spPr>
+      </p:pic>
     </p:spTree>
     <p:extLst>
       <p:ext uri="{BB962C8B-B14F-4D97-AF65-F5344CB8AC3E}">
@@ -5275,9 +5992,10 @@
           </a:p>
           <a:p>
             <a:r>
-              <a:rPr lang="zh-CN" altLang="en-US" dirty="0"/>
-              <a:t>事件</a:t>
-            </a:r>
+              <a:rPr lang="zh-CN" altLang="en-US" dirty="0" smtClean="0"/>
+              <a:t>事件通知</a:t>
+            </a:r>
+            <a:endParaRPr lang="zh-CN" altLang="en-US" dirty="0"/>
           </a:p>
         </p:txBody>
       </p:sp>
@@ -5576,6 +6294,13 @@
             </a:r>
           </a:p>
           <a:p>
+            <a:r>
+              <a:rPr lang="en-US" altLang="zh-CN" dirty="0" smtClean="0"/>
+              <a:t>……</a:t>
+            </a:r>
+            <a:endParaRPr lang="en-US" altLang="zh-CN" dirty="0" smtClean="0"/>
+          </a:p>
+          <a:p>
             <a:endParaRPr lang="en-US" altLang="zh-CN" dirty="0" smtClean="0"/>
           </a:p>
           <a:p>
@@ -5886,7 +6611,17 @@
             </a:r>
             <a:r>
               <a:rPr lang="en-US" altLang="zh-CN" dirty="0" smtClean="0"/>
-              <a:t>onsole.log(‘hello world’);</a:t>
+              <a:t>onsole.log(‘hello world</a:t>
+            </a:r>
+            <a:r>
+              <a:rPr lang="en-US" altLang="zh-CN" dirty="0" smtClean="0"/>
+              <a:t>’);</a:t>
+            </a:r>
+          </a:p>
+          <a:p>
+            <a:r>
+              <a:rPr lang="en-US" altLang="zh-CN" dirty="0" smtClean="0"/>
+              <a:t>Node example.js</a:t>
             </a:r>
             <a:endParaRPr lang="zh-CN" altLang="en-US" dirty="0"/>
           </a:p>
@@ -5952,67 +6687,30 @@
           </a:p>
         </p:txBody>
       </p:sp>
-      <p:sp>
-        <p:nvSpPr>
-          <p:cNvPr id="3" name="文本占位符 2"/>
-          <p:cNvSpPr>
-            <a:spLocks noGrp="1"/>
-          </p:cNvSpPr>
-          <p:nvPr>
-            <p:ph type="body" sz="quarter" idx="13"/>
-          </p:nvPr>
-        </p:nvSpPr>
-        <p:spPr/>
-        <p:txBody>
-          <a:bodyPr/>
-          <a:lstStyle/>
-          <a:p>
-            <a:r>
-              <a:rPr lang="en-US" altLang="zh-CN" dirty="0" err="1" smtClean="0"/>
-              <a:t>var</a:t>
-            </a:r>
-            <a:r>
-              <a:rPr lang="en-US" altLang="zh-CN" dirty="0" smtClean="0"/>
-              <a:t> http = require(‘http’);</a:t>
-            </a:r>
-          </a:p>
-          <a:p>
-            <a:r>
-              <a:rPr lang="en-US" altLang="zh-CN" dirty="0" err="1"/>
-              <a:t>http.createServer</a:t>
-            </a:r>
-            <a:r>
-              <a:rPr lang="en-US" altLang="zh-CN" dirty="0"/>
-              <a:t>(function(</a:t>
-            </a:r>
-            <a:r>
-              <a:rPr lang="en-US" altLang="zh-CN" dirty="0" err="1"/>
-              <a:t>req</a:t>
-            </a:r>
-            <a:r>
-              <a:rPr lang="en-US" altLang="zh-CN" dirty="0"/>
-              <a:t>, res) {</a:t>
-            </a:r>
-            <a:r>
-              <a:rPr lang="en-US" altLang="zh-CN" dirty="0" err="1"/>
-              <a:t>res.write</a:t>
-            </a:r>
-            <a:r>
-              <a:rPr lang="en-US" altLang="zh-CN" dirty="0"/>
-              <a:t>('hello world'); </a:t>
-            </a:r>
-            <a:r>
-              <a:rPr lang="en-US" altLang="zh-CN" dirty="0" err="1"/>
-              <a:t>res.end</a:t>
-            </a:r>
-            <a:r>
-              <a:rPr lang="en-US" altLang="zh-CN" dirty="0"/>
-              <a:t>();});</a:t>
-            </a:r>
-            <a:endParaRPr lang="zh-CN" altLang="en-US" dirty="0"/>
-          </a:p>
-        </p:txBody>
-      </p:sp>
+      <p:pic>
+        <p:nvPicPr>
+          <p:cNvPr id="6" name="图片 5"/>
+          <p:cNvPicPr>
+            <a:picLocks noChangeAspect="1"/>
+          </p:cNvPicPr>
+          <p:nvPr/>
+        </p:nvPicPr>
+        <p:blipFill>
+          <a:blip r:embed="rId3"/>
+          <a:stretch>
+            <a:fillRect/>
+          </a:stretch>
+        </p:blipFill>
+        <p:spPr>
+          <a:xfrm>
+            <a:off x="2857500" y="2438400"/>
+            <a:ext cx="6477000" cy="1981200"/>
+          </a:xfrm>
+          <a:prstGeom prst="rect">
+            <a:avLst/>
+          </a:prstGeom>
+        </p:spPr>
+      </p:pic>
     </p:spTree>
     <p:extLst>
       <p:ext uri="{BB962C8B-B14F-4D97-AF65-F5344CB8AC3E}">
@@ -12870,6 +13568,450 @@
       </p:par>
     </p:tnLst>
   </p:timing>
+</p:sld>
+</file>
+
+<file path=ppt/slides/slide20.xml><?xml version="1.0" encoding="utf-8"?>
+<p:sld xmlns:a="http://schemas.openxmlformats.org/drawingml/2006/main" xmlns:r="http://schemas.openxmlformats.org/officeDocument/2006/relationships" xmlns:p="http://schemas.openxmlformats.org/presentationml/2006/main">
+  <p:cSld>
+    <p:spTree>
+      <p:nvGrpSpPr>
+        <p:cNvPr id="1" name=""/>
+        <p:cNvGrpSpPr/>
+        <p:nvPr/>
+      </p:nvGrpSpPr>
+      <p:grpSpPr>
+        <a:xfrm>
+          <a:off x="0" y="0"/>
+          <a:ext cx="0" cy="0"/>
+          <a:chOff x="0" y="0"/>
+          <a:chExt cx="0" cy="0"/>
+        </a:xfrm>
+      </p:grpSpPr>
+      <p:sp>
+        <p:nvSpPr>
+          <p:cNvPr id="2" name="标题 1"/>
+          <p:cNvSpPr>
+            <a:spLocks noGrp="1"/>
+          </p:cNvSpPr>
+          <p:nvPr>
+            <p:ph type="title"/>
+          </p:nvPr>
+        </p:nvSpPr>
+        <p:spPr/>
+        <p:txBody>
+          <a:bodyPr/>
+          <a:lstStyle/>
+          <a:p>
+            <a:r>
+              <a:rPr lang="en-US" altLang="zh-CN" dirty="0" err="1" smtClean="0"/>
+              <a:t>npm</a:t>
+            </a:r>
+            <a:endParaRPr lang="zh-CN" altLang="en-US" dirty="0"/>
+          </a:p>
+        </p:txBody>
+      </p:sp>
+      <p:sp>
+        <p:nvSpPr>
+          <p:cNvPr id="3" name="文本占位符 2"/>
+          <p:cNvSpPr>
+            <a:spLocks noGrp="1"/>
+          </p:cNvSpPr>
+          <p:nvPr>
+            <p:ph type="body" sz="quarter" idx="13"/>
+          </p:nvPr>
+        </p:nvSpPr>
+        <p:spPr>
+          <a:xfrm>
+            <a:off x="1422400" y="1273908"/>
+            <a:ext cx="9550399" cy="853472"/>
+          </a:xfrm>
+        </p:spPr>
+        <p:txBody>
+          <a:bodyPr/>
+          <a:lstStyle/>
+          <a:p>
+            <a:r>
+              <a:rPr lang="en-US" altLang="zh-CN" dirty="0" err="1" smtClean="0"/>
+              <a:t>Nodejs</a:t>
+            </a:r>
+            <a:r>
+              <a:rPr lang="en-US" altLang="zh-CN" dirty="0" smtClean="0"/>
+              <a:t> </a:t>
+            </a:r>
+            <a:r>
+              <a:rPr lang="en-US" altLang="zh-CN" dirty="0"/>
+              <a:t>Package </a:t>
+            </a:r>
+            <a:r>
+              <a:rPr lang="en-US" altLang="zh-CN" dirty="0" smtClean="0"/>
+              <a:t>Manager</a:t>
+            </a:r>
+            <a:endParaRPr lang="zh-CN" altLang="en-US" dirty="0"/>
+          </a:p>
+        </p:txBody>
+      </p:sp>
+      <p:pic>
+        <p:nvPicPr>
+          <p:cNvPr id="4" name="图片 3"/>
+          <p:cNvPicPr>
+            <a:picLocks noChangeAspect="1"/>
+          </p:cNvPicPr>
+          <p:nvPr/>
+        </p:nvPicPr>
+        <p:blipFill>
+          <a:blip r:embed="rId3"/>
+          <a:stretch>
+            <a:fillRect/>
+          </a:stretch>
+        </p:blipFill>
+        <p:spPr>
+          <a:xfrm>
+            <a:off x="1557337" y="2509837"/>
+            <a:ext cx="9077325" cy="1838325"/>
+          </a:xfrm>
+          <a:prstGeom prst="rect">
+            <a:avLst/>
+          </a:prstGeom>
+        </p:spPr>
+      </p:pic>
+    </p:spTree>
+    <p:extLst>
+      <p:ext uri="{BB962C8B-B14F-4D97-AF65-F5344CB8AC3E}">
+        <p14:creationId xmlns:p14="http://schemas.microsoft.com/office/powerpoint/2010/main" val="3123050335"/>
+      </p:ext>
+    </p:extLst>
+  </p:cSld>
+  <p:clrMapOvr>
+    <a:masterClrMapping/>
+  </p:clrMapOvr>
+</p:sld>
+</file>
+
+<file path=ppt/slides/slide21.xml><?xml version="1.0" encoding="utf-8"?>
+<p:sld xmlns:a="http://schemas.openxmlformats.org/drawingml/2006/main" xmlns:r="http://schemas.openxmlformats.org/officeDocument/2006/relationships" xmlns:p="http://schemas.openxmlformats.org/presentationml/2006/main">
+  <p:cSld>
+    <p:spTree>
+      <p:nvGrpSpPr>
+        <p:cNvPr id="1" name=""/>
+        <p:cNvGrpSpPr/>
+        <p:nvPr/>
+      </p:nvGrpSpPr>
+      <p:grpSpPr>
+        <a:xfrm>
+          <a:off x="0" y="0"/>
+          <a:ext cx="0" cy="0"/>
+          <a:chOff x="0" y="0"/>
+          <a:chExt cx="0" cy="0"/>
+        </a:xfrm>
+      </p:grpSpPr>
+      <p:sp>
+        <p:nvSpPr>
+          <p:cNvPr id="2" name="标题 1"/>
+          <p:cNvSpPr>
+            <a:spLocks noGrp="1"/>
+          </p:cNvSpPr>
+          <p:nvPr>
+            <p:ph type="title"/>
+          </p:nvPr>
+        </p:nvSpPr>
+        <p:spPr/>
+        <p:txBody>
+          <a:bodyPr/>
+          <a:lstStyle/>
+          <a:p>
+            <a:r>
+              <a:rPr lang="en-US" altLang="zh-CN" dirty="0" err="1" smtClean="0"/>
+              <a:t>npm</a:t>
+            </a:r>
+            <a:r>
+              <a:rPr lang="zh-CN" altLang="en-US" dirty="0" smtClean="0"/>
+              <a:t>常用命令</a:t>
+            </a:r>
+            <a:endParaRPr lang="zh-CN" altLang="en-US" dirty="0"/>
+          </a:p>
+        </p:txBody>
+      </p:sp>
+      <p:sp>
+        <p:nvSpPr>
+          <p:cNvPr id="3" name="文本占位符 2"/>
+          <p:cNvSpPr>
+            <a:spLocks noGrp="1"/>
+          </p:cNvSpPr>
+          <p:nvPr>
+            <p:ph type="body" sz="quarter" idx="13"/>
+          </p:nvPr>
+        </p:nvSpPr>
+        <p:spPr/>
+        <p:txBody>
+          <a:bodyPr/>
+          <a:lstStyle/>
+          <a:p>
+            <a:r>
+              <a:rPr lang="en-US" altLang="zh-CN" dirty="0" err="1"/>
+              <a:t>Npm</a:t>
+            </a:r>
+            <a:r>
+              <a:rPr lang="en-US" altLang="zh-CN" dirty="0"/>
+              <a:t> </a:t>
+            </a:r>
+            <a:r>
+              <a:rPr lang="en-US" altLang="zh-CN" dirty="0" err="1" smtClean="0"/>
+              <a:t>init</a:t>
+            </a:r>
+            <a:endParaRPr lang="en-US" altLang="zh-CN" dirty="0" smtClean="0"/>
+          </a:p>
+          <a:p>
+            <a:r>
+              <a:rPr lang="en-US" altLang="zh-CN" dirty="0" err="1" smtClean="0"/>
+              <a:t>Npm</a:t>
+            </a:r>
+            <a:r>
+              <a:rPr lang="en-US" altLang="zh-CN" dirty="0" smtClean="0"/>
+              <a:t> install package-name</a:t>
+            </a:r>
+          </a:p>
+          <a:p>
+            <a:pPr lvl="1"/>
+            <a:r>
+              <a:rPr lang="en-US" altLang="zh-CN" dirty="0" smtClean="0"/>
+              <a:t>--save</a:t>
+            </a:r>
+          </a:p>
+          <a:p>
+            <a:pPr lvl="1"/>
+            <a:r>
+              <a:rPr lang="en-US" altLang="zh-CN" dirty="0" smtClean="0"/>
+              <a:t>--save-</a:t>
+            </a:r>
+            <a:r>
+              <a:rPr lang="en-US" altLang="zh-CN" dirty="0" err="1" smtClean="0"/>
+              <a:t>dev</a:t>
+            </a:r>
+            <a:endParaRPr lang="en-US" altLang="zh-CN" dirty="0" smtClean="0"/>
+          </a:p>
+          <a:p>
+            <a:r>
+              <a:rPr lang="en-US" altLang="zh-CN" dirty="0" err="1" smtClean="0"/>
+              <a:t>Npm</a:t>
+            </a:r>
+            <a:r>
+              <a:rPr lang="en-US" altLang="zh-CN" dirty="0" smtClean="0"/>
+              <a:t> remove package-name</a:t>
+            </a:r>
+          </a:p>
+          <a:p>
+            <a:r>
+              <a:rPr lang="en-US" altLang="zh-CN" dirty="0" err="1" smtClean="0"/>
+              <a:t>Npm</a:t>
+            </a:r>
+            <a:r>
+              <a:rPr lang="en-US" altLang="zh-CN" dirty="0" smtClean="0"/>
+              <a:t> publish</a:t>
+            </a:r>
+          </a:p>
+          <a:p>
+            <a:r>
+              <a:rPr lang="en-US" altLang="zh-CN" dirty="0" smtClean="0"/>
+              <a:t>……</a:t>
+            </a:r>
+          </a:p>
+        </p:txBody>
+      </p:sp>
+    </p:spTree>
+    <p:extLst>
+      <p:ext uri="{BB962C8B-B14F-4D97-AF65-F5344CB8AC3E}">
+        <p14:creationId xmlns:p14="http://schemas.microsoft.com/office/powerpoint/2010/main" val="2228467477"/>
+      </p:ext>
+    </p:extLst>
+  </p:cSld>
+  <p:clrMapOvr>
+    <a:masterClrMapping/>
+  </p:clrMapOvr>
+</p:sld>
+</file>
+
+<file path=ppt/slides/slide22.xml><?xml version="1.0" encoding="utf-8"?>
+<p:sld xmlns:a="http://schemas.openxmlformats.org/drawingml/2006/main" xmlns:r="http://schemas.openxmlformats.org/officeDocument/2006/relationships" xmlns:p="http://schemas.openxmlformats.org/presentationml/2006/main">
+  <p:cSld>
+    <p:spTree>
+      <p:nvGrpSpPr>
+        <p:cNvPr id="1" name=""/>
+        <p:cNvGrpSpPr/>
+        <p:nvPr/>
+      </p:nvGrpSpPr>
+      <p:grpSpPr>
+        <a:xfrm>
+          <a:off x="0" y="0"/>
+          <a:ext cx="0" cy="0"/>
+          <a:chOff x="0" y="0"/>
+          <a:chExt cx="0" cy="0"/>
+        </a:xfrm>
+      </p:grpSpPr>
+      <p:sp>
+        <p:nvSpPr>
+          <p:cNvPr id="2" name="标题 1"/>
+          <p:cNvSpPr>
+            <a:spLocks noGrp="1"/>
+          </p:cNvSpPr>
+          <p:nvPr>
+            <p:ph type="title"/>
+          </p:nvPr>
+        </p:nvSpPr>
+        <p:spPr/>
+        <p:txBody>
+          <a:bodyPr/>
+          <a:lstStyle/>
+          <a:p>
+            <a:r>
+              <a:rPr lang="en-US" altLang="zh-CN" dirty="0" err="1" smtClean="0"/>
+              <a:t>Nodejs</a:t>
+            </a:r>
+            <a:r>
+              <a:rPr lang="zh-CN" altLang="en-US" dirty="0"/>
+              <a:t>调试</a:t>
+            </a:r>
+          </a:p>
+        </p:txBody>
+      </p:sp>
+      <p:sp>
+        <p:nvSpPr>
+          <p:cNvPr id="3" name="文本占位符 2"/>
+          <p:cNvSpPr>
+            <a:spLocks noGrp="1"/>
+          </p:cNvSpPr>
+          <p:nvPr>
+            <p:ph type="body" sz="quarter" idx="13"/>
+          </p:nvPr>
+        </p:nvSpPr>
+        <p:spPr/>
+        <p:txBody>
+          <a:bodyPr/>
+          <a:lstStyle/>
+          <a:p>
+            <a:r>
+              <a:rPr lang="en-US" altLang="zh-CN" dirty="0" smtClean="0"/>
+              <a:t>Node debug example.js</a:t>
+            </a:r>
+          </a:p>
+          <a:p>
+            <a:r>
+              <a:rPr lang="en-US" altLang="zh-CN" dirty="0" smtClean="0"/>
+              <a:t>Node-inspector</a:t>
+            </a:r>
+          </a:p>
+          <a:p>
+            <a:pPr lvl="1"/>
+            <a:r>
+              <a:rPr lang="en-US" altLang="zh-CN" dirty="0" smtClean="0"/>
+              <a:t>--debug</a:t>
+            </a:r>
+          </a:p>
+          <a:p>
+            <a:pPr lvl="1"/>
+            <a:r>
+              <a:rPr lang="en-US" altLang="zh-CN" dirty="0" smtClean="0"/>
+              <a:t>--debug-</a:t>
+            </a:r>
+            <a:r>
+              <a:rPr lang="en-US" altLang="zh-CN" dirty="0" err="1" smtClean="0"/>
+              <a:t>brk</a:t>
+            </a:r>
+            <a:endParaRPr lang="zh-CN" altLang="en-US" dirty="0"/>
+          </a:p>
+        </p:txBody>
+      </p:sp>
+    </p:spTree>
+    <p:extLst>
+      <p:ext uri="{BB962C8B-B14F-4D97-AF65-F5344CB8AC3E}">
+        <p14:creationId xmlns:p14="http://schemas.microsoft.com/office/powerpoint/2010/main" val="1453552619"/>
+      </p:ext>
+    </p:extLst>
+  </p:cSld>
+  <p:clrMapOvr>
+    <a:masterClrMapping/>
+  </p:clrMapOvr>
+</p:sld>
+</file>
+
+<file path=ppt/slides/slide23.xml><?xml version="1.0" encoding="utf-8"?>
+<p:sld xmlns:a="http://schemas.openxmlformats.org/drawingml/2006/main" xmlns:r="http://schemas.openxmlformats.org/officeDocument/2006/relationships" xmlns:p="http://schemas.openxmlformats.org/presentationml/2006/main">
+  <p:cSld>
+    <p:spTree>
+      <p:nvGrpSpPr>
+        <p:cNvPr id="1" name=""/>
+        <p:cNvGrpSpPr/>
+        <p:nvPr/>
+      </p:nvGrpSpPr>
+      <p:grpSpPr>
+        <a:xfrm>
+          <a:off x="0" y="0"/>
+          <a:ext cx="0" cy="0"/>
+          <a:chOff x="0" y="0"/>
+          <a:chExt cx="0" cy="0"/>
+        </a:xfrm>
+      </p:grpSpPr>
+      <p:sp>
+        <p:nvSpPr>
+          <p:cNvPr id="2" name="标题 1"/>
+          <p:cNvSpPr>
+            <a:spLocks noGrp="1"/>
+          </p:cNvSpPr>
+          <p:nvPr>
+            <p:ph type="title"/>
+          </p:nvPr>
+        </p:nvSpPr>
+        <p:spPr/>
+        <p:txBody>
+          <a:bodyPr/>
+          <a:lstStyle/>
+          <a:p>
+            <a:r>
+              <a:rPr lang="en-US" altLang="zh-CN" dirty="0" err="1" smtClean="0"/>
+              <a:t>Nodejs</a:t>
+            </a:r>
+            <a:r>
+              <a:rPr lang="zh-CN" altLang="en-US" dirty="0" smtClean="0"/>
+              <a:t>调试</a:t>
+            </a:r>
+            <a:endParaRPr lang="zh-CN" altLang="en-US" dirty="0"/>
+          </a:p>
+        </p:txBody>
+      </p:sp>
+      <p:pic>
+        <p:nvPicPr>
+          <p:cNvPr id="4" name="图片 3"/>
+          <p:cNvPicPr>
+            <a:picLocks noChangeAspect="1"/>
+          </p:cNvPicPr>
+          <p:nvPr/>
+        </p:nvPicPr>
+        <p:blipFill>
+          <a:blip r:embed="rId3"/>
+          <a:stretch>
+            <a:fillRect/>
+          </a:stretch>
+        </p:blipFill>
+        <p:spPr>
+          <a:xfrm>
+            <a:off x="1295400" y="376237"/>
+            <a:ext cx="9601200" cy="6105525"/>
+          </a:xfrm>
+          <a:prstGeom prst="rect">
+            <a:avLst/>
+          </a:prstGeom>
+        </p:spPr>
+      </p:pic>
+    </p:spTree>
+    <p:extLst>
+      <p:ext uri="{BB962C8B-B14F-4D97-AF65-F5344CB8AC3E}">
+        <p14:creationId xmlns:p14="http://schemas.microsoft.com/office/powerpoint/2010/main" val="3135204474"/>
+      </p:ext>
+    </p:extLst>
+  </p:cSld>
+  <p:clrMapOvr>
+    <a:masterClrMapping/>
+  </p:clrMapOvr>
 </p:sld>
 </file>
 

--- a/2015-06/Nodejs基础分享.pptx
+++ b/2015-06/Nodejs基础分享.pptx
@@ -219,7 +219,7 @@
           <a:p>
             <a:fld id="{90642F5A-1193-429B-B03B-F07216B8404E}" type="datetimeFigureOut">
               <a:rPr lang="zh-CN" altLang="en-US" smtClean="0"/>
-              <a:t>2015/6/18</a:t>
+              <a:t>2015/6/19</a:t>
             </a:fld>
             <a:endParaRPr lang="zh-CN" altLang="en-US"/>
           </a:p>
@@ -1786,6 +1786,49 @@
           <a:bodyPr/>
           <a:lstStyle/>
           <a:p>
+            <a:r>
+              <a:rPr lang="en-US" altLang="zh-CN" dirty="0" smtClean="0"/>
+              <a:t>Require</a:t>
+            </a:r>
+            <a:r>
+              <a:rPr lang="zh-CN" altLang="en-US" dirty="0" smtClean="0"/>
+              <a:t>的原理，以及</a:t>
+            </a:r>
+            <a:r>
+              <a:rPr lang="en-US" altLang="zh-CN" dirty="0" smtClean="0"/>
+              <a:t>require</a:t>
+            </a:r>
+            <a:r>
+              <a:rPr lang="zh-CN" altLang="en-US" dirty="0" smtClean="0"/>
+              <a:t>的寻址</a:t>
+            </a:r>
+            <a:endParaRPr lang="en-US" altLang="zh-CN" dirty="0" smtClean="0"/>
+          </a:p>
+          <a:p>
+            <a:r>
+              <a:rPr lang="zh-CN" altLang="en-US" smtClean="0"/>
+              <a:t>比较浏览器</a:t>
+            </a:r>
+            <a:r>
+              <a:rPr lang="zh-CN" altLang="en-US" dirty="0" smtClean="0"/>
+              <a:t>实现的</a:t>
+            </a:r>
+            <a:r>
+              <a:rPr lang="en-US" altLang="zh-CN" dirty="0" smtClean="0"/>
+              <a:t>require</a:t>
+            </a:r>
+            <a:r>
+              <a:rPr lang="zh-CN" altLang="en-US" dirty="0" smtClean="0"/>
+              <a:t>和</a:t>
+            </a:r>
+            <a:r>
+              <a:rPr lang="en-US" altLang="zh-CN" dirty="0" err="1" smtClean="0"/>
+              <a:t>nodejs</a:t>
+            </a:r>
+            <a:r>
+              <a:rPr lang="en-US" altLang="zh-CN" dirty="0" smtClean="0"/>
+              <a:t> require</a:t>
+            </a:r>
             <a:endParaRPr lang="zh-CN" altLang="en-US" dirty="0"/>
           </a:p>
         </p:txBody>
@@ -2597,7 +2640,7 @@
           <a:p>
             <a:fld id="{1B373F89-C89E-4F66-A4DB-C155C00E9555}" type="datetimeFigureOut">
               <a:rPr lang="zh-CN" altLang="en-US" smtClean="0"/>
-              <a:t>2015/6/18</a:t>
+              <a:t>2015/6/19</a:t>
             </a:fld>
             <a:endParaRPr lang="zh-CN" altLang="en-US"/>
           </a:p>
@@ -2774,7 +2817,7 @@
           <a:p>
             <a:fld id="{1B373F89-C89E-4F66-A4DB-C155C00E9555}" type="datetimeFigureOut">
               <a:rPr lang="zh-CN" altLang="en-US" smtClean="0"/>
-              <a:t>2015/6/18</a:t>
+              <a:t>2015/6/19</a:t>
             </a:fld>
             <a:endParaRPr lang="zh-CN" altLang="en-US"/>
           </a:p>
@@ -2954,7 +2997,7 @@
           <a:p>
             <a:fld id="{1B373F89-C89E-4F66-A4DB-C155C00E9555}" type="datetimeFigureOut">
               <a:rPr lang="zh-CN" altLang="en-US" smtClean="0"/>
-              <a:t>2015/6/18</a:t>
+              <a:t>2015/6/19</a:t>
             </a:fld>
             <a:endParaRPr lang="zh-CN" altLang="en-US"/>
           </a:p>
@@ -3109,7 +3152,7 @@
           <a:p>
             <a:fld id="{1B373F89-C89E-4F66-A4DB-C155C00E9555}" type="datetimeFigureOut">
               <a:rPr lang="zh-CN" altLang="en-US" smtClean="0"/>
-              <a:t>2015/6/18</a:t>
+              <a:t>2015/6/19</a:t>
             </a:fld>
             <a:endParaRPr lang="zh-CN" altLang="en-US"/>
           </a:p>
@@ -3455,7 +3498,7 @@
           <a:p>
             <a:fld id="{1B373F89-C89E-4F66-A4DB-C155C00E9555}" type="datetimeFigureOut">
               <a:rPr lang="zh-CN" altLang="en-US" smtClean="0"/>
-              <a:t>2015/6/18</a:t>
+              <a:t>2015/6/19</a:t>
             </a:fld>
             <a:endParaRPr lang="zh-CN" altLang="en-US"/>
           </a:p>
@@ -3694,7 +3737,7 @@
           <a:p>
             <a:fld id="{1B373F89-C89E-4F66-A4DB-C155C00E9555}" type="datetimeFigureOut">
               <a:rPr lang="zh-CN" altLang="en-US" smtClean="0"/>
-              <a:t>2015/6/18</a:t>
+              <a:t>2015/6/19</a:t>
             </a:fld>
             <a:endParaRPr lang="zh-CN" altLang="en-US"/>
           </a:p>
@@ -4068,7 +4111,7 @@
           <a:p>
             <a:fld id="{1B373F89-C89E-4F66-A4DB-C155C00E9555}" type="datetimeFigureOut">
               <a:rPr lang="zh-CN" altLang="en-US" smtClean="0"/>
-              <a:t>2015/6/18</a:t>
+              <a:t>2015/6/19</a:t>
             </a:fld>
             <a:endParaRPr lang="zh-CN" altLang="en-US"/>
           </a:p>
@@ -4193,7 +4236,7 @@
           <a:p>
             <a:fld id="{1B373F89-C89E-4F66-A4DB-C155C00E9555}" type="datetimeFigureOut">
               <a:rPr lang="zh-CN" altLang="en-US" smtClean="0"/>
-              <a:t>2015/6/18</a:t>
+              <a:t>2015/6/19</a:t>
             </a:fld>
             <a:endParaRPr lang="zh-CN" altLang="en-US"/>
           </a:p>
@@ -4288,7 +4331,7 @@
           <a:p>
             <a:fld id="{1B373F89-C89E-4F66-A4DB-C155C00E9555}" type="datetimeFigureOut">
               <a:rPr lang="zh-CN" altLang="en-US" smtClean="0"/>
-              <a:t>2015/6/18</a:t>
+              <a:t>2015/6/19</a:t>
             </a:fld>
             <a:endParaRPr lang="zh-CN" altLang="en-US"/>
           </a:p>
@@ -4565,7 +4608,7 @@
           <a:p>
             <a:fld id="{1B373F89-C89E-4F66-A4DB-C155C00E9555}" type="datetimeFigureOut">
               <a:rPr lang="zh-CN" altLang="en-US" smtClean="0"/>
-              <a:t>2015/6/18</a:t>
+              <a:t>2015/6/19</a:t>
             </a:fld>
             <a:endParaRPr lang="zh-CN" altLang="en-US"/>
           </a:p>
@@ -4818,7 +4861,7 @@
           <a:p>
             <a:fld id="{1B373F89-C89E-4F66-A4DB-C155C00E9555}" type="datetimeFigureOut">
               <a:rPr lang="zh-CN" altLang="en-US" smtClean="0"/>
-              <a:t>2015/6/18</a:t>
+              <a:t>2015/6/19</a:t>
             </a:fld>
             <a:endParaRPr lang="zh-CN" altLang="en-US"/>
           </a:p>
@@ -5054,7 +5097,7 @@
           <a:p>
             <a:fld id="{1B373F89-C89E-4F66-A4DB-C155C00E9555}" type="datetimeFigureOut">
               <a:rPr lang="zh-CN" altLang="en-US" smtClean="0"/>
-              <a:t>2015/6/18</a:t>
+              <a:t>2015/6/19</a:t>
             </a:fld>
             <a:endParaRPr lang="zh-CN" altLang="en-US"/>
           </a:p>
@@ -6298,7 +6341,6 @@
               <a:rPr lang="en-US" altLang="zh-CN" dirty="0" smtClean="0"/>
               <a:t>……</a:t>
             </a:r>
-            <a:endParaRPr lang="en-US" altLang="zh-CN" dirty="0" smtClean="0"/>
           </a:p>
           <a:p>
             <a:endParaRPr lang="en-US" altLang="zh-CN" dirty="0" smtClean="0"/>
@@ -6611,11 +6653,7 @@
             </a:r>
             <a:r>
               <a:rPr lang="en-US" altLang="zh-CN" dirty="0" smtClean="0"/>
-              <a:t>onsole.log(‘hello world</a:t>
-            </a:r>
-            <a:r>
-              <a:rPr lang="en-US" altLang="zh-CN" dirty="0" smtClean="0"/>
-              <a:t>’);</a:t>
+              <a:t>onsole.log(‘hello world’);</a:t>
             </a:r>
           </a:p>
           <a:p>
